--- a/Doctor Channeling edited.pptx
+++ b/Doctor Channeling edited.pptx
@@ -9,11 +9,11 @@
   </p:notesMasterIdLst>
   <p:sldIdLst>
     <p:sldId id="256" r:id="rId2"/>
-    <p:sldId id="257" r:id="rId3"/>
-    <p:sldId id="259" r:id="rId4"/>
-    <p:sldId id="258" r:id="rId5"/>
-    <p:sldId id="260" r:id="rId6"/>
-    <p:sldId id="261" r:id="rId7"/>
+    <p:sldId id="261" r:id="rId3"/>
+    <p:sldId id="257" r:id="rId4"/>
+    <p:sldId id="259" r:id="rId5"/>
+    <p:sldId id="258" r:id="rId6"/>
+    <p:sldId id="260" r:id="rId7"/>
     <p:sldId id="262" r:id="rId8"/>
     <p:sldId id="263" r:id="rId9"/>
   </p:sldIdLst>
@@ -215,7 +215,7 @@
           <a:p>
             <a:fld id="{C8D18E60-4300-4729-A0D7-6AB984C3922D}" type="datetimeFigureOut">
               <a:rPr lang="en-US" smtClean="0"/>
-              <a:t>5/31/2022</a:t>
+              <a:t>5/31/22</a:t>
             </a:fld>
             <a:endParaRPr lang="en-US"/>
           </a:p>
@@ -547,7 +547,7 @@
           <a:p>
             <a:fld id="{87350B06-B074-48FC-8CFD-53D2CD8FB95F}" type="slidenum">
               <a:rPr lang="en-US" smtClean="0"/>
-              <a:t>5</a:t>
+              <a:t>6</a:t>
             </a:fld>
             <a:endParaRPr lang="en-US"/>
           </a:p>
@@ -788,7 +788,7 @@
             <a:fld id="{53074F12-AA26-4AC8-9962-C36BB8F32554}" type="datetimeFigureOut">
               <a:rPr lang="en-US" smtClean="0"/>
               <a:pPr/>
-              <a:t>5/31/2022</a:t>
+              <a:t>5/31/22</a:t>
             </a:fld>
             <a:endParaRPr lang="en-US"/>
           </a:p>
@@ -1042,7 +1042,7 @@
             <a:fld id="{53074F12-AA26-4AC8-9962-C36BB8F32554}" type="datetimeFigureOut">
               <a:rPr lang="en-US" smtClean="0"/>
               <a:pPr/>
-              <a:t>5/31/2022</a:t>
+              <a:t>5/31/22</a:t>
             </a:fld>
             <a:endParaRPr lang="en-US"/>
           </a:p>
@@ -1212,7 +1212,7 @@
             <a:fld id="{53074F12-AA26-4AC8-9962-C36BB8F32554}" type="datetimeFigureOut">
               <a:rPr lang="en-US" smtClean="0"/>
               <a:pPr/>
-              <a:t>5/31/2022</a:t>
+              <a:t>5/31/22</a:t>
             </a:fld>
             <a:endParaRPr lang="en-US"/>
           </a:p>
@@ -1392,7 +1392,7 @@
             <a:fld id="{53074F12-AA26-4AC8-9962-C36BB8F32554}" type="datetimeFigureOut">
               <a:rPr lang="en-US" smtClean="0"/>
               <a:pPr/>
-              <a:t>5/31/2022</a:t>
+              <a:t>5/31/22</a:t>
             </a:fld>
             <a:endParaRPr lang="en-US"/>
           </a:p>
@@ -1677,7 +1677,7 @@
             <a:fld id="{53074F12-AA26-4AC8-9962-C36BB8F32554}" type="datetimeFigureOut">
               <a:rPr lang="en-US" smtClean="0"/>
               <a:pPr/>
-              <a:t>5/31/2022</a:t>
+              <a:t>5/31/22</a:t>
             </a:fld>
             <a:endParaRPr lang="en-US"/>
           </a:p>
@@ -1927,7 +1927,7 @@
             <a:fld id="{53074F12-AA26-4AC8-9962-C36BB8F32554}" type="datetimeFigureOut">
               <a:rPr lang="en-US" smtClean="0"/>
               <a:pPr/>
-              <a:t>5/31/2022</a:t>
+              <a:t>5/31/22</a:t>
             </a:fld>
             <a:endParaRPr lang="en-US"/>
           </a:p>
@@ -2174,7 +2174,7 @@
             <a:fld id="{53074F12-AA26-4AC8-9962-C36BB8F32554}" type="datetimeFigureOut">
               <a:rPr lang="en-US" smtClean="0"/>
               <a:pPr/>
-              <a:t>5/31/2022</a:t>
+              <a:t>5/31/22</a:t>
             </a:fld>
             <a:endParaRPr lang="en-US"/>
           </a:p>
@@ -2461,7 +2461,7 @@
             <a:fld id="{53074F12-AA26-4AC8-9962-C36BB8F32554}" type="datetimeFigureOut">
               <a:rPr lang="en-US" smtClean="0"/>
               <a:pPr/>
-              <a:t>5/31/2022</a:t>
+              <a:t>5/31/22</a:t>
             </a:fld>
             <a:endParaRPr lang="en-US"/>
           </a:p>
@@ -2951,7 +2951,7 @@
             <a:fld id="{53074F12-AA26-4AC8-9962-C36BB8F32554}" type="datetimeFigureOut">
               <a:rPr lang="en-US" smtClean="0"/>
               <a:pPr/>
-              <a:t>5/31/2022</a:t>
+              <a:t>5/31/22</a:t>
             </a:fld>
             <a:endParaRPr lang="en-US"/>
           </a:p>
@@ -3070,7 +3070,7 @@
             <a:fld id="{53074F12-AA26-4AC8-9962-C36BB8F32554}" type="datetimeFigureOut">
               <a:rPr lang="en-US" smtClean="0"/>
               <a:pPr/>
-              <a:t>5/31/2022</a:t>
+              <a:t>5/31/22</a:t>
             </a:fld>
             <a:endParaRPr lang="en-US"/>
           </a:p>
@@ -3167,7 +3167,7 @@
             <a:fld id="{53074F12-AA26-4AC8-9962-C36BB8F32554}" type="datetimeFigureOut">
               <a:rPr lang="en-US" smtClean="0"/>
               <a:pPr/>
-              <a:t>5/31/2022</a:t>
+              <a:t>5/31/22</a:t>
             </a:fld>
             <a:endParaRPr lang="en-US"/>
           </a:p>
@@ -3444,7 +3444,7 @@
             <a:fld id="{53074F12-AA26-4AC8-9962-C36BB8F32554}" type="datetimeFigureOut">
               <a:rPr lang="en-US" smtClean="0"/>
               <a:pPr/>
-              <a:t>5/31/2022</a:t>
+              <a:t>5/31/22</a:t>
             </a:fld>
             <a:endParaRPr lang="en-US"/>
           </a:p>
@@ -3666,7 +3666,7 @@
             <a:fld id="{53074F12-AA26-4AC8-9962-C36BB8F32554}" type="datetimeFigureOut">
               <a:rPr lang="en-US" smtClean="0"/>
               <a:pPr/>
-              <a:t>5/31/2022</a:t>
+              <a:t>5/31/22</a:t>
             </a:fld>
             <a:endParaRPr lang="en-US"/>
           </a:p>
@@ -4209,100 +4209,246 @@
         </p:nvSpPr>
         <p:spPr/>
         <p:txBody>
+          <a:bodyPr/>
+          <a:lstStyle/>
+          <a:p>
+            <a:r>
+              <a:rPr lang="en-US" b="1" dirty="0"/>
+              <a:t>Group Members</a:t>
+            </a:r>
+          </a:p>
+        </p:txBody>
+      </p:sp>
+      <p:sp>
+        <p:nvSpPr>
+          <p:cNvPr id="3" name="Content Placeholder 2"/>
+          <p:cNvSpPr>
+            <a:spLocks noGrp="1"/>
+          </p:cNvSpPr>
+          <p:nvPr>
+            <p:ph idx="1"/>
+          </p:nvPr>
+        </p:nvSpPr>
+        <p:spPr/>
+        <p:txBody>
           <a:bodyPr>
             <a:normAutofit/>
           </a:bodyPr>
           <a:lstStyle/>
           <a:p>
             <a:r>
-              <a:rPr lang="en-US" b="1" dirty="0"/>
-              <a:t>Table of Contents</a:t>
-            </a:r>
-          </a:p>
-        </p:txBody>
-      </p:sp>
-      <p:sp>
-        <p:nvSpPr>
-          <p:cNvPr id="3" name="Content Placeholder 2"/>
-          <p:cNvSpPr>
-            <a:spLocks noGrp="1"/>
-          </p:cNvSpPr>
-          <p:nvPr>
-            <p:ph idx="1"/>
-          </p:nvPr>
-        </p:nvSpPr>
-        <p:spPr/>
-        <p:txBody>
-          <a:bodyPr>
-            <a:normAutofit fontScale="92500" lnSpcReduction="20000"/>
-          </a:bodyPr>
-          <a:lstStyle/>
-          <a:p>
-            <a:r>
-              <a:rPr lang="en-US" dirty="0"/>
-              <a:t>Responsibilities as a BA member</a:t>
-            </a:r>
-          </a:p>
-          <a:p>
-            <a:r>
-              <a:rPr lang="en-US" dirty="0"/>
-              <a:t>Key tasks in SDLC(Software Development Life Cycle)</a:t>
-            </a:r>
-          </a:p>
-          <a:p>
-            <a:r>
-              <a:rPr lang="en-US" dirty="0"/>
-              <a:t>Software development methodology justification</a:t>
-            </a:r>
-          </a:p>
-          <a:p>
-            <a:r>
-              <a:rPr lang="en-US" dirty="0"/>
-              <a:t>Requirement gathering techniques</a:t>
-            </a:r>
-          </a:p>
-          <a:p>
-            <a:r>
-              <a:rPr lang="en-US" dirty="0"/>
-              <a:t>Functional and non-functional requirements</a:t>
-            </a:r>
-          </a:p>
-          <a:p>
-            <a:r>
-              <a:rPr lang="en-US" dirty="0"/>
-              <a:t>Use Case Diagram</a:t>
-            </a:r>
-          </a:p>
-          <a:p>
-            <a:r>
-              <a:rPr lang="en-US" dirty="0"/>
-              <a:t>Recommendations</a:t>
-            </a:r>
-          </a:p>
-          <a:p>
-            <a:r>
-              <a:rPr lang="en-US" dirty="0"/>
-              <a:t>Risk Recognition</a:t>
-            </a:r>
-          </a:p>
-          <a:p>
-            <a:endParaRPr lang="en-US" dirty="0"/>
-          </a:p>
-          <a:p>
-            <a:endParaRPr lang="en-US" dirty="0"/>
-          </a:p>
-          <a:p>
-            <a:endParaRPr lang="en-US" dirty="0"/>
-          </a:p>
-          <a:p>
-            <a:endParaRPr lang="en-US" dirty="0"/>
-          </a:p>
-        </p:txBody>
-      </p:sp>
+              <a:rPr lang="en-US" sz="1600" b="1" dirty="0" err="1"/>
+              <a:t>Pasindu</a:t>
+            </a:r>
+            <a:r>
+              <a:rPr lang="en-US" sz="1600" b="1" dirty="0"/>
+              <a:t> </a:t>
+            </a:r>
+            <a:r>
+              <a:rPr lang="en-US" sz="1600" b="1" dirty="0" err="1"/>
+              <a:t>Jayathunga</a:t>
+            </a:r>
+            <a:r>
+              <a:rPr lang="en-US" sz="1600" b="1" dirty="0"/>
+              <a:t> – 21UG0068</a:t>
+            </a:r>
+          </a:p>
+          <a:p>
+            <a:r>
+              <a:rPr lang="en-US" sz="1600" b="1" dirty="0" err="1"/>
+              <a:t>Siwaneththi</a:t>
+            </a:r>
+            <a:r>
+              <a:rPr lang="en-US" sz="1600" b="1" dirty="0"/>
+              <a:t> </a:t>
+            </a:r>
+            <a:r>
+              <a:rPr lang="en-US" sz="1600" b="1" dirty="0" err="1"/>
+              <a:t>Dilushi</a:t>
+            </a:r>
+            <a:r>
+              <a:rPr lang="en-US" sz="1600" b="1" dirty="0"/>
+              <a:t> </a:t>
+            </a:r>
+            <a:r>
+              <a:rPr lang="en-US" sz="1600" b="1" dirty="0" err="1"/>
+              <a:t>Pabasara</a:t>
+            </a:r>
+            <a:r>
+              <a:rPr lang="en-US" sz="1600" b="1" dirty="0"/>
+              <a:t> – 21UG0264</a:t>
+            </a:r>
+          </a:p>
+          <a:p>
+            <a:r>
+              <a:rPr lang="en-US" sz="1600" b="1" dirty="0" err="1"/>
+              <a:t>D.M.D.Nayanamini</a:t>
+            </a:r>
+            <a:r>
+              <a:rPr lang="en-US" sz="1600" b="1" dirty="0"/>
+              <a:t> – 21UG0778</a:t>
+            </a:r>
+          </a:p>
+          <a:p>
+            <a:r>
+              <a:rPr lang="en-US" sz="1600" b="1" dirty="0" err="1"/>
+              <a:t>Manujaya</a:t>
+            </a:r>
+            <a:r>
+              <a:rPr lang="en-US" sz="1600" b="1" dirty="0"/>
+              <a:t> </a:t>
+            </a:r>
+            <a:r>
+              <a:rPr lang="en-US" sz="1600" b="1" dirty="0" err="1"/>
+              <a:t>Vimukthi</a:t>
+            </a:r>
+            <a:r>
+              <a:rPr lang="en-US" sz="1600" b="1" dirty="0"/>
+              <a:t> – 21UG0234</a:t>
+            </a:r>
+          </a:p>
+          <a:p>
+            <a:r>
+              <a:rPr lang="en-US" sz="1600" b="1" dirty="0" err="1"/>
+              <a:t>G.B.S.Mashenka</a:t>
+            </a:r>
+            <a:r>
+              <a:rPr lang="en-US" sz="1600" b="1" dirty="0"/>
+              <a:t> – 21UG0890</a:t>
+            </a:r>
+          </a:p>
+          <a:p>
+            <a:r>
+              <a:rPr lang="en-US" sz="1600" b="1" dirty="0" err="1"/>
+              <a:t>N.K.Rajapaksha</a:t>
+            </a:r>
+            <a:r>
+              <a:rPr lang="en-US" sz="1600" b="1" dirty="0"/>
+              <a:t> – 21UG0773</a:t>
+            </a:r>
+          </a:p>
+          <a:p>
+            <a:r>
+              <a:rPr lang="en-US" sz="1600" b="1" dirty="0" err="1"/>
+              <a:t>Malkini</a:t>
+            </a:r>
+            <a:r>
+              <a:rPr lang="en-US" sz="1600" b="1" dirty="0"/>
+              <a:t> </a:t>
+            </a:r>
+            <a:r>
+              <a:rPr lang="en-US" sz="1600" b="1" dirty="0" err="1"/>
+              <a:t>Wijesekara</a:t>
+            </a:r>
+            <a:r>
+              <a:rPr lang="en-US" sz="1600" b="1" dirty="0"/>
+              <a:t> – 21UG0160</a:t>
+            </a:r>
+          </a:p>
+          <a:p>
+            <a:r>
+              <a:rPr lang="en-US" sz="1600" b="1" dirty="0" err="1"/>
+              <a:t>Thumula</a:t>
+            </a:r>
+            <a:r>
+              <a:rPr lang="en-US" sz="1600" b="1" dirty="0"/>
+              <a:t> </a:t>
+            </a:r>
+            <a:r>
+              <a:rPr lang="en-US" sz="1600" b="1" dirty="0" err="1"/>
+              <a:t>Basura</a:t>
+            </a:r>
+            <a:r>
+              <a:rPr lang="en-US" sz="1600" b="1" dirty="0"/>
+              <a:t> </a:t>
+            </a:r>
+            <a:r>
+              <a:rPr lang="en-US" sz="1600" b="1" dirty="0" err="1"/>
+              <a:t>Suraweera</a:t>
+            </a:r>
+            <a:r>
+              <a:rPr lang="en-US" sz="1600" b="1" dirty="0"/>
+              <a:t> – 21UG0016</a:t>
+            </a:r>
+          </a:p>
+          <a:p>
+            <a:r>
+              <a:rPr lang="en-US" sz="1600" b="1" dirty="0" err="1"/>
+              <a:t>Upeka</a:t>
+            </a:r>
+            <a:r>
+              <a:rPr lang="en-US" sz="1600" b="1" dirty="0"/>
+              <a:t> </a:t>
+            </a:r>
+            <a:r>
+              <a:rPr lang="en-US" sz="1600" b="1" dirty="0" err="1"/>
+              <a:t>Sathsarani</a:t>
+            </a:r>
+            <a:r>
+              <a:rPr lang="en-US" sz="1600" b="1" dirty="0"/>
+              <a:t> – 21UG0127</a:t>
+            </a:r>
+          </a:p>
+          <a:p>
+            <a:r>
+              <a:rPr lang="en-US" sz="1600" b="1" dirty="0" err="1"/>
+              <a:t>Maleesha</a:t>
+            </a:r>
+            <a:r>
+              <a:rPr lang="en-US" sz="1600" b="1" dirty="0"/>
+              <a:t> </a:t>
+            </a:r>
+            <a:r>
+              <a:rPr lang="en-US" sz="1600" b="1" dirty="0" err="1"/>
+              <a:t>Thisaranga</a:t>
+            </a:r>
+            <a:r>
+              <a:rPr lang="en-US" sz="1600" b="1" dirty="0"/>
+              <a:t> – 21UG0113</a:t>
+            </a:r>
+          </a:p>
+          <a:p>
+            <a:endParaRPr lang="en-US" sz="1600" dirty="0"/>
+          </a:p>
+          <a:p>
+            <a:endParaRPr lang="en-US" sz="1600" dirty="0"/>
+          </a:p>
+        </p:txBody>
+      </p:sp>
+      <p:pic>
+        <p:nvPicPr>
+          <p:cNvPr id="4" name="Picture 3"/>
+          <p:cNvPicPr>
+            <a:picLocks noChangeAspect="1"/>
+          </p:cNvPicPr>
+          <p:nvPr/>
+        </p:nvPicPr>
+        <p:blipFill>
+          <a:blip r:embed="rId2" cstate="print">
+            <a:extLst>
+              <a:ext uri="{28A0092B-C50C-407E-A947-70E740481C1C}">
+                <a14:useLocalDpi xmlns:a14="http://schemas.microsoft.com/office/drawing/2010/main" val="0"/>
+              </a:ext>
+            </a:extLst>
+          </a:blip>
+          <a:stretch>
+            <a:fillRect/>
+          </a:stretch>
+        </p:blipFill>
+        <p:spPr>
+          <a:xfrm>
+            <a:off x="6043290" y="0"/>
+            <a:ext cx="2386834" cy="5143500"/>
+          </a:xfrm>
+          <a:prstGeom prst="rect">
+            <a:avLst/>
+          </a:prstGeom>
+        </p:spPr>
+      </p:pic>
     </p:spTree>
     <p:extLst>
       <p:ext uri="{BB962C8B-B14F-4D97-AF65-F5344CB8AC3E}">
-        <p14:creationId xmlns:p14="http://schemas.microsoft.com/office/powerpoint/2010/main" val="4103309497"/>
+        <p14:creationId xmlns:p14="http://schemas.microsoft.com/office/powerpoint/2010/main" val="87999289"/>
       </p:ext>
     </p:extLst>
   </p:cSld>
@@ -4331,7 +4477,7 @@
       </p:grpSpPr>
       <p:sp>
         <p:nvSpPr>
-          <p:cNvPr id="4" name="Title 3"/>
+          <p:cNvPr id="2" name="Title 1"/>
           <p:cNvSpPr>
             <a:spLocks noGrp="1"/>
           </p:cNvSpPr>
@@ -4347,64 +4493,94 @@
           <a:lstStyle/>
           <a:p>
             <a:r>
-              <a:rPr lang="en-US" u="sng" dirty="0"/>
+              <a:rPr lang="en-US" b="1" dirty="0"/>
+              <a:t>Table of Contents</a:t>
+            </a:r>
+          </a:p>
+        </p:txBody>
+      </p:sp>
+      <p:sp>
+        <p:nvSpPr>
+          <p:cNvPr id="3" name="Content Placeholder 2"/>
+          <p:cNvSpPr>
+            <a:spLocks noGrp="1"/>
+          </p:cNvSpPr>
+          <p:nvPr>
+            <p:ph idx="1"/>
+          </p:nvPr>
+        </p:nvSpPr>
+        <p:spPr/>
+        <p:txBody>
+          <a:bodyPr>
+            <a:normAutofit fontScale="92500" lnSpcReduction="20000"/>
+          </a:bodyPr>
+          <a:lstStyle/>
+          <a:p>
+            <a:r>
+              <a:rPr lang="en-US" dirty="0"/>
               <a:t>Responsibilities as a BA member</a:t>
             </a:r>
           </a:p>
-        </p:txBody>
-      </p:sp>
-      <p:sp>
-        <p:nvSpPr>
-          <p:cNvPr id="5" name="Content Placeholder 4"/>
-          <p:cNvSpPr>
-            <a:spLocks noGrp="1"/>
-          </p:cNvSpPr>
-          <p:nvPr>
-            <p:ph idx="1"/>
-          </p:nvPr>
-        </p:nvSpPr>
-        <p:spPr/>
-        <p:txBody>
-          <a:bodyPr>
-            <a:normAutofit fontScale="92500"/>
-          </a:bodyPr>
-          <a:lstStyle/>
           <a:p>
             <a:r>
               <a:rPr lang="en-US" dirty="0"/>
-              <a:t>Gathering information on the project through research</a:t>
+              <a:t>Key tasks in SDLC(Software Development Life Cycle)</a:t>
             </a:r>
           </a:p>
           <a:p>
             <a:r>
               <a:rPr lang="en-US" dirty="0"/>
-              <a:t>Understanding the key objectives</a:t>
+              <a:t>Software development methodology justification</a:t>
             </a:r>
           </a:p>
           <a:p>
             <a:r>
               <a:rPr lang="en-US" dirty="0"/>
-              <a:t>Deliver project responsibilities with deadlines</a:t>
+              <a:t>Requirement gathering techniques</a:t>
             </a:r>
           </a:p>
           <a:p>
             <a:r>
               <a:rPr lang="en-US" dirty="0"/>
-              <a:t>Staying updated about document progress, set backs and new processes</a:t>
+              <a:t>Functional and non-functional requirements</a:t>
             </a:r>
           </a:p>
           <a:p>
             <a:r>
               <a:rPr lang="en-US" dirty="0"/>
-              <a:t>Communicating with project leads on roadblocks</a:t>
-            </a:r>
+              <a:t>Use Case Diagram</a:t>
+            </a:r>
+          </a:p>
+          <a:p>
+            <a:r>
+              <a:rPr lang="en-US" dirty="0"/>
+              <a:t>Recommendations</a:t>
+            </a:r>
+          </a:p>
+          <a:p>
+            <a:r>
+              <a:rPr lang="en-US" dirty="0"/>
+              <a:t>Risk Recognition</a:t>
+            </a:r>
+          </a:p>
+          <a:p>
+            <a:endParaRPr lang="en-US" dirty="0"/>
+          </a:p>
+          <a:p>
+            <a:endParaRPr lang="en-US" dirty="0"/>
+          </a:p>
+          <a:p>
+            <a:endParaRPr lang="en-US" dirty="0"/>
+          </a:p>
+          <a:p>
+            <a:endParaRPr lang="en-US" dirty="0"/>
           </a:p>
         </p:txBody>
       </p:sp>
     </p:spTree>
     <p:extLst>
       <p:ext uri="{BB962C8B-B14F-4D97-AF65-F5344CB8AC3E}">
-        <p14:creationId xmlns:p14="http://schemas.microsoft.com/office/powerpoint/2010/main" val="1101633878"/>
+        <p14:creationId xmlns:p14="http://schemas.microsoft.com/office/powerpoint/2010/main" val="4103309497"/>
       </p:ext>
     </p:extLst>
   </p:cSld>
@@ -4449,6 +4625,108 @@
           <a:lstStyle/>
           <a:p>
             <a:r>
+              <a:rPr lang="en-US" u="sng" dirty="0"/>
+              <a:t>Responsibilities as a BA member</a:t>
+            </a:r>
+          </a:p>
+        </p:txBody>
+      </p:sp>
+      <p:sp>
+        <p:nvSpPr>
+          <p:cNvPr id="5" name="Content Placeholder 4"/>
+          <p:cNvSpPr>
+            <a:spLocks noGrp="1"/>
+          </p:cNvSpPr>
+          <p:nvPr>
+            <p:ph idx="1"/>
+          </p:nvPr>
+        </p:nvSpPr>
+        <p:spPr/>
+        <p:txBody>
+          <a:bodyPr>
+            <a:normAutofit fontScale="92500"/>
+          </a:bodyPr>
+          <a:lstStyle/>
+          <a:p>
+            <a:r>
+              <a:rPr lang="en-US" dirty="0"/>
+              <a:t>Gathering information on the project through research</a:t>
+            </a:r>
+          </a:p>
+          <a:p>
+            <a:r>
+              <a:rPr lang="en-US" dirty="0"/>
+              <a:t>Understanding the key objectives</a:t>
+            </a:r>
+          </a:p>
+          <a:p>
+            <a:r>
+              <a:rPr lang="en-US" dirty="0"/>
+              <a:t>Deliver project responsibilities with deadlines</a:t>
+            </a:r>
+          </a:p>
+          <a:p>
+            <a:r>
+              <a:rPr lang="en-US" dirty="0"/>
+              <a:t>Staying updated about document progress, set backs and new processes</a:t>
+            </a:r>
+          </a:p>
+          <a:p>
+            <a:r>
+              <a:rPr lang="en-US" dirty="0"/>
+              <a:t>Communicating with project leads on roadblocks</a:t>
+            </a:r>
+          </a:p>
+        </p:txBody>
+      </p:sp>
+    </p:spTree>
+    <p:extLst>
+      <p:ext uri="{BB962C8B-B14F-4D97-AF65-F5344CB8AC3E}">
+        <p14:creationId xmlns:p14="http://schemas.microsoft.com/office/powerpoint/2010/main" val="1101633878"/>
+      </p:ext>
+    </p:extLst>
+  </p:cSld>
+  <p:clrMapOvr>
+    <a:masterClrMapping/>
+  </p:clrMapOvr>
+</p:sld>
+</file>
+
+<file path=ppt/slides/slide5.xml><?xml version="1.0" encoding="utf-8"?>
+<p:sld xmlns:a="http://schemas.openxmlformats.org/drawingml/2006/main" xmlns:r="http://schemas.openxmlformats.org/officeDocument/2006/relationships" xmlns:p="http://schemas.openxmlformats.org/presentationml/2006/main">
+  <p:cSld>
+    <p:spTree>
+      <p:nvGrpSpPr>
+        <p:cNvPr id="1" name=""/>
+        <p:cNvGrpSpPr/>
+        <p:nvPr/>
+      </p:nvGrpSpPr>
+      <p:grpSpPr>
+        <a:xfrm>
+          <a:off x="0" y="0"/>
+          <a:ext cx="0" cy="0"/>
+          <a:chOff x="0" y="0"/>
+          <a:chExt cx="0" cy="0"/>
+        </a:xfrm>
+      </p:grpSpPr>
+      <p:sp>
+        <p:nvSpPr>
+          <p:cNvPr id="4" name="Title 3"/>
+          <p:cNvSpPr>
+            <a:spLocks noGrp="1"/>
+          </p:cNvSpPr>
+          <p:nvPr>
+            <p:ph type="title"/>
+          </p:nvPr>
+        </p:nvSpPr>
+        <p:spPr/>
+        <p:txBody>
+          <a:bodyPr>
+            <a:normAutofit/>
+          </a:bodyPr>
+          <a:lstStyle/>
+          <a:p>
+            <a:r>
               <a:rPr lang="en-US" dirty="0"/>
               <a:t>Slide Title</a:t>
             </a:r>
@@ -4582,7 +4860,7 @@
 </p:sld>
 </file>
 
-<file path=ppt/slides/slide5.xml><?xml version="1.0" encoding="utf-8"?>
+<file path=ppt/slides/slide6.xml><?xml version="1.0" encoding="utf-8"?>
 <p:sld xmlns:a="http://schemas.openxmlformats.org/drawingml/2006/main" xmlns:r="http://schemas.openxmlformats.org/officeDocument/2006/relationships" xmlns:p="http://schemas.openxmlformats.org/presentationml/2006/main">
   <p:cSld>
     <p:spTree>
@@ -4646,284 +4924,6 @@
     <p:extLst>
       <p:ext uri="{BB962C8B-B14F-4D97-AF65-F5344CB8AC3E}">
         <p14:creationId xmlns:p14="http://schemas.microsoft.com/office/powerpoint/2010/main" val="109100692"/>
-      </p:ext>
-    </p:extLst>
-  </p:cSld>
-  <p:clrMapOvr>
-    <a:masterClrMapping/>
-  </p:clrMapOvr>
-</p:sld>
-</file>
-
-<file path=ppt/slides/slide6.xml><?xml version="1.0" encoding="utf-8"?>
-<p:sld xmlns:a="http://schemas.openxmlformats.org/drawingml/2006/main" xmlns:r="http://schemas.openxmlformats.org/officeDocument/2006/relationships" xmlns:p="http://schemas.openxmlformats.org/presentationml/2006/main">
-  <p:cSld>
-    <p:spTree>
-      <p:nvGrpSpPr>
-        <p:cNvPr id="1" name=""/>
-        <p:cNvGrpSpPr/>
-        <p:nvPr/>
-      </p:nvGrpSpPr>
-      <p:grpSpPr>
-        <a:xfrm>
-          <a:off x="0" y="0"/>
-          <a:ext cx="0" cy="0"/>
-          <a:chOff x="0" y="0"/>
-          <a:chExt cx="0" cy="0"/>
-        </a:xfrm>
-      </p:grpSpPr>
-      <p:sp>
-        <p:nvSpPr>
-          <p:cNvPr id="2" name="Title 1"/>
-          <p:cNvSpPr>
-            <a:spLocks noGrp="1"/>
-          </p:cNvSpPr>
-          <p:nvPr>
-            <p:ph type="title"/>
-          </p:nvPr>
-        </p:nvSpPr>
-        <p:spPr/>
-        <p:txBody>
-          <a:bodyPr/>
-          <a:lstStyle/>
-          <a:p>
-            <a:r>
-              <a:rPr lang="en-US" b="1" dirty="0"/>
-              <a:t>Group Members</a:t>
-            </a:r>
-          </a:p>
-        </p:txBody>
-      </p:sp>
-      <p:sp>
-        <p:nvSpPr>
-          <p:cNvPr id="3" name="Content Placeholder 2"/>
-          <p:cNvSpPr>
-            <a:spLocks noGrp="1"/>
-          </p:cNvSpPr>
-          <p:nvPr>
-            <p:ph idx="1"/>
-          </p:nvPr>
-        </p:nvSpPr>
-        <p:spPr/>
-        <p:txBody>
-          <a:bodyPr>
-            <a:normAutofit/>
-          </a:bodyPr>
-          <a:lstStyle/>
-          <a:p>
-            <a:r>
-              <a:rPr lang="en-US" sz="1600" b="1" dirty="0" err="1"/>
-              <a:t>Pasindu</a:t>
-            </a:r>
-            <a:r>
-              <a:rPr lang="en-US" sz="1600" b="1" dirty="0"/>
-              <a:t> </a:t>
-            </a:r>
-            <a:r>
-              <a:rPr lang="en-US" sz="1600" b="1" dirty="0" err="1"/>
-              <a:t>Jayathunga</a:t>
-            </a:r>
-            <a:r>
-              <a:rPr lang="en-US" sz="1600" b="1" dirty="0"/>
-              <a:t> – 21UG0068</a:t>
-            </a:r>
-          </a:p>
-          <a:p>
-            <a:r>
-              <a:rPr lang="en-US" sz="1600" b="1" dirty="0" err="1"/>
-              <a:t>Siwaneththi</a:t>
-            </a:r>
-            <a:r>
-              <a:rPr lang="en-US" sz="1600" b="1" dirty="0"/>
-              <a:t> </a:t>
-            </a:r>
-            <a:r>
-              <a:rPr lang="en-US" sz="1600" b="1" dirty="0" err="1"/>
-              <a:t>Dilushi</a:t>
-            </a:r>
-            <a:r>
-              <a:rPr lang="en-US" sz="1600" b="1" dirty="0"/>
-              <a:t> </a:t>
-            </a:r>
-            <a:r>
-              <a:rPr lang="en-US" sz="1600" b="1" dirty="0" err="1"/>
-              <a:t>Pabasara</a:t>
-            </a:r>
-            <a:r>
-              <a:rPr lang="en-US" sz="1600" b="1" dirty="0"/>
-              <a:t> – 21UG0264</a:t>
-            </a:r>
-          </a:p>
-          <a:p>
-            <a:r>
-              <a:rPr lang="en-US" sz="1600" b="1" dirty="0" err="1"/>
-              <a:t>D.M.D.Nayanamini</a:t>
-            </a:r>
-            <a:r>
-              <a:rPr lang="en-US" sz="1600" b="1" dirty="0"/>
-              <a:t> – 21UG0778</a:t>
-            </a:r>
-          </a:p>
-          <a:p>
-            <a:r>
-              <a:rPr lang="en-US" sz="1600" b="1" dirty="0" err="1"/>
-              <a:t>Manujaya</a:t>
-            </a:r>
-            <a:r>
-              <a:rPr lang="en-US" sz="1600" b="1" dirty="0"/>
-              <a:t> </a:t>
-            </a:r>
-            <a:r>
-              <a:rPr lang="en-US" sz="1600" b="1" dirty="0" err="1"/>
-              <a:t>Vimukthi</a:t>
-            </a:r>
-            <a:r>
-              <a:rPr lang="en-US" sz="1600" b="1" dirty="0"/>
-              <a:t> – 21UG0234</a:t>
-            </a:r>
-          </a:p>
-          <a:p>
-            <a:r>
-              <a:rPr lang="en-US" sz="1600" b="1" dirty="0" err="1"/>
-              <a:t>G.B.S.Mashenka</a:t>
-            </a:r>
-            <a:r>
-              <a:rPr lang="en-US" sz="1600" b="1" dirty="0"/>
-              <a:t> – 21UG0890</a:t>
-            </a:r>
-          </a:p>
-          <a:p>
-            <a:r>
-              <a:rPr lang="en-US" sz="1600" b="1" dirty="0" err="1"/>
-              <a:t>N.K.Rajapaksha</a:t>
-            </a:r>
-            <a:r>
-              <a:rPr lang="en-US" sz="1600" b="1" dirty="0"/>
-              <a:t> – 21UG0773</a:t>
-            </a:r>
-          </a:p>
-          <a:p>
-            <a:r>
-              <a:rPr lang="en-US" sz="1600" b="1" dirty="0" err="1"/>
-              <a:t>Malkini</a:t>
-            </a:r>
-            <a:r>
-              <a:rPr lang="en-US" sz="1600" b="1" dirty="0"/>
-              <a:t> </a:t>
-            </a:r>
-            <a:r>
-              <a:rPr lang="en-US" sz="1600" b="1" dirty="0" err="1"/>
-              <a:t>Wijesekara</a:t>
-            </a:r>
-            <a:r>
-              <a:rPr lang="en-US" sz="1600" b="1" dirty="0"/>
-              <a:t> – 21UG0160</a:t>
-            </a:r>
-          </a:p>
-          <a:p>
-            <a:r>
-              <a:rPr lang="en-US" sz="1600" b="1" dirty="0" err="1"/>
-              <a:t>Thumula</a:t>
-            </a:r>
-            <a:r>
-              <a:rPr lang="en-US" sz="1600" b="1" dirty="0"/>
-              <a:t> </a:t>
-            </a:r>
-            <a:r>
-              <a:rPr lang="en-US" sz="1600" b="1" dirty="0" err="1"/>
-              <a:t>Basura</a:t>
-            </a:r>
-            <a:r>
-              <a:rPr lang="en-US" sz="1600" b="1" dirty="0"/>
-              <a:t> </a:t>
-            </a:r>
-            <a:r>
-              <a:rPr lang="en-US" sz="1600" b="1" dirty="0" err="1"/>
-              <a:t>Suraweera</a:t>
-            </a:r>
-            <a:r>
-              <a:rPr lang="en-US" sz="1600" b="1" dirty="0"/>
-              <a:t> – 21UG0016</a:t>
-            </a:r>
-          </a:p>
-          <a:p>
-            <a:r>
-              <a:rPr lang="en-US" sz="1600" b="1" dirty="0" err="1"/>
-              <a:t>Upeka</a:t>
-            </a:r>
-            <a:r>
-              <a:rPr lang="en-US" sz="1600" b="1" dirty="0"/>
-              <a:t> </a:t>
-            </a:r>
-            <a:r>
-              <a:rPr lang="en-US" sz="1600" b="1" dirty="0" err="1"/>
-              <a:t>Sathsarani</a:t>
-            </a:r>
-            <a:r>
-              <a:rPr lang="en-US" sz="1600" b="1" dirty="0"/>
-              <a:t> – 21UG0127</a:t>
-            </a:r>
-          </a:p>
-          <a:p>
-            <a:r>
-              <a:rPr lang="en-US" sz="1600" b="1" dirty="0" err="1"/>
-              <a:t>Maleesha</a:t>
-            </a:r>
-            <a:r>
-              <a:rPr lang="en-US" sz="1600" b="1" dirty="0"/>
-              <a:t> </a:t>
-            </a:r>
-            <a:r>
-              <a:rPr lang="en-US" sz="1600" b="1" dirty="0" err="1"/>
-              <a:t>Thisaranga</a:t>
-            </a:r>
-            <a:r>
-              <a:rPr lang="en-US" sz="1600" b="1" dirty="0"/>
-              <a:t> – 21UG0113</a:t>
-            </a:r>
-          </a:p>
-          <a:p>
-            <a:endParaRPr lang="en-US" sz="1600" dirty="0"/>
-          </a:p>
-          <a:p>
-            <a:endParaRPr lang="en-US" sz="1600" dirty="0"/>
-          </a:p>
-        </p:txBody>
-      </p:sp>
-      <p:pic>
-        <p:nvPicPr>
-          <p:cNvPr id="4" name="Picture 3"/>
-          <p:cNvPicPr>
-            <a:picLocks noChangeAspect="1"/>
-          </p:cNvPicPr>
-          <p:nvPr/>
-        </p:nvPicPr>
-        <p:blipFill>
-          <a:blip r:embed="rId2" cstate="print">
-            <a:extLst>
-              <a:ext uri="{28A0092B-C50C-407E-A947-70E740481C1C}">
-                <a14:useLocalDpi xmlns:a14="http://schemas.microsoft.com/office/drawing/2010/main" val="0"/>
-              </a:ext>
-            </a:extLst>
-          </a:blip>
-          <a:stretch>
-            <a:fillRect/>
-          </a:stretch>
-        </p:blipFill>
-        <p:spPr>
-          <a:xfrm>
-            <a:off x="6043290" y="0"/>
-            <a:ext cx="2386834" cy="5143500"/>
-          </a:xfrm>
-          <a:prstGeom prst="rect">
-            <a:avLst/>
-          </a:prstGeom>
-        </p:spPr>
-      </p:pic>
-    </p:spTree>
-    <p:extLst>
-      <p:ext uri="{BB962C8B-B14F-4D97-AF65-F5344CB8AC3E}">
-        <p14:creationId xmlns:p14="http://schemas.microsoft.com/office/powerpoint/2010/main" val="87999289"/>
       </p:ext>
     </p:extLst>
   </p:cSld>

--- a/Doctor Channeling edited.pptx
+++ b/Doctor Channeling edited.pptx
@@ -5,17 +5,23 @@
     <p:sldMasterId id="2147483648" r:id="rId1"/>
   </p:sldMasterIdLst>
   <p:notesMasterIdLst>
-    <p:notesMasterId r:id="rId10"/>
+    <p:notesMasterId r:id="rId16"/>
   </p:notesMasterIdLst>
   <p:sldIdLst>
     <p:sldId id="256" r:id="rId2"/>
     <p:sldId id="261" r:id="rId3"/>
     <p:sldId id="257" r:id="rId4"/>
     <p:sldId id="259" r:id="rId5"/>
-    <p:sldId id="258" r:id="rId6"/>
-    <p:sldId id="260" r:id="rId7"/>
-    <p:sldId id="262" r:id="rId8"/>
-    <p:sldId id="263" r:id="rId9"/>
+    <p:sldId id="264" r:id="rId6"/>
+    <p:sldId id="265" r:id="rId7"/>
+    <p:sldId id="266" r:id="rId8"/>
+    <p:sldId id="267" r:id="rId9"/>
+    <p:sldId id="268" r:id="rId10"/>
+    <p:sldId id="269" r:id="rId11"/>
+    <p:sldId id="270" r:id="rId12"/>
+    <p:sldId id="271" r:id="rId13"/>
+    <p:sldId id="262" r:id="rId14"/>
+    <p:sldId id="263" r:id="rId15"/>
   </p:sldIdLst>
   <p:sldSz cx="9144000" cy="5143500" type="screen16x9"/>
   <p:notesSz cx="6858000" cy="9144000"/>
@@ -480,90 +486,6 @@
     </a:lvl9pPr>
   </p:notesStyle>
 </p:notesMaster>
-</file>
-
-<file path=ppt/notesSlides/notesSlide1.xml><?xml version="1.0" encoding="utf-8"?>
-<p:notes xmlns:a="http://schemas.openxmlformats.org/drawingml/2006/main" xmlns:r="http://schemas.openxmlformats.org/officeDocument/2006/relationships" xmlns:p="http://schemas.openxmlformats.org/presentationml/2006/main">
-  <p:cSld>
-    <p:spTree>
-      <p:nvGrpSpPr>
-        <p:cNvPr id="1" name=""/>
-        <p:cNvGrpSpPr/>
-        <p:nvPr/>
-      </p:nvGrpSpPr>
-      <p:grpSpPr>
-        <a:xfrm>
-          <a:off x="0" y="0"/>
-          <a:ext cx="0" cy="0"/>
-          <a:chOff x="0" y="0"/>
-          <a:chExt cx="0" cy="0"/>
-        </a:xfrm>
-      </p:grpSpPr>
-      <p:sp>
-        <p:nvSpPr>
-          <p:cNvPr id="2" name="Slide Image Placeholder 1"/>
-          <p:cNvSpPr>
-            <a:spLocks noGrp="1" noRot="1" noChangeAspect="1"/>
-          </p:cNvSpPr>
-          <p:nvPr>
-            <p:ph type="sldImg"/>
-          </p:nvPr>
-        </p:nvSpPr>
-        <p:spPr/>
-      </p:sp>
-      <p:sp>
-        <p:nvSpPr>
-          <p:cNvPr id="3" name="Notes Placeholder 2"/>
-          <p:cNvSpPr>
-            <a:spLocks noGrp="1"/>
-          </p:cNvSpPr>
-          <p:nvPr>
-            <p:ph type="body" idx="1"/>
-          </p:nvPr>
-        </p:nvSpPr>
-        <p:spPr/>
-        <p:txBody>
-          <a:bodyPr/>
-          <a:lstStyle/>
-          <a:p>
-            <a:endParaRPr lang="en-US"/>
-          </a:p>
-        </p:txBody>
-      </p:sp>
-      <p:sp>
-        <p:nvSpPr>
-          <p:cNvPr id="4" name="Slide Number Placeholder 3"/>
-          <p:cNvSpPr>
-            <a:spLocks noGrp="1"/>
-          </p:cNvSpPr>
-          <p:nvPr>
-            <p:ph type="sldNum" sz="quarter" idx="10"/>
-          </p:nvPr>
-        </p:nvSpPr>
-        <p:spPr/>
-        <p:txBody>
-          <a:bodyPr/>
-          <a:lstStyle/>
-          <a:p>
-            <a:fld id="{87350B06-B074-48FC-8CFD-53D2CD8FB95F}" type="slidenum">
-              <a:rPr lang="en-US" smtClean="0"/>
-              <a:t>6</a:t>
-            </a:fld>
-            <a:endParaRPr lang="en-US"/>
-          </a:p>
-        </p:txBody>
-      </p:sp>
-    </p:spTree>
-    <p:extLst>
-      <p:ext uri="{BB962C8B-B14F-4D97-AF65-F5344CB8AC3E}">
-        <p14:creationId xmlns:p14="http://schemas.microsoft.com/office/powerpoint/2010/main" val="1284596819"/>
-      </p:ext>
-    </p:extLst>
-  </p:cSld>
-  <p:clrMapOvr>
-    <a:masterClrMapping/>
-  </p:clrMapOvr>
-</p:notes>
 </file>
 
 <file path=ppt/slideLayouts/slideLayout1.xml><?xml version="1.0" encoding="utf-8"?>
@@ -4180,6 +4102,455 @@
 </p:sld>
 </file>
 
+<file path=ppt/slides/slide10.xml><?xml version="1.0" encoding="utf-8"?>
+<p:sld xmlns:a="http://schemas.openxmlformats.org/drawingml/2006/main" xmlns:r="http://schemas.openxmlformats.org/officeDocument/2006/relationships" xmlns:p="http://schemas.openxmlformats.org/presentationml/2006/main">
+  <p:cSld>
+    <p:spTree>
+      <p:nvGrpSpPr>
+        <p:cNvPr id="1" name=""/>
+        <p:cNvGrpSpPr/>
+        <p:nvPr/>
+      </p:nvGrpSpPr>
+      <p:grpSpPr>
+        <a:xfrm>
+          <a:off x="0" y="0"/>
+          <a:ext cx="0" cy="0"/>
+          <a:chOff x="0" y="0"/>
+          <a:chExt cx="0" cy="0"/>
+        </a:xfrm>
+      </p:grpSpPr>
+      <p:pic>
+        <p:nvPicPr>
+          <p:cNvPr id="5" name="Picture 4">
+            <a:extLst>
+              <a:ext uri="{FF2B5EF4-FFF2-40B4-BE49-F238E27FC236}">
+                <a16:creationId xmlns:a16="http://schemas.microsoft.com/office/drawing/2014/main" id="{73D54A5D-FBCD-0BD8-5457-75B5F627B9BA}"/>
+              </a:ext>
+            </a:extLst>
+          </p:cNvPr>
+          <p:cNvPicPr>
+            <a:picLocks noChangeAspect="1"/>
+          </p:cNvPicPr>
+          <p:nvPr/>
+        </p:nvPicPr>
+        <p:blipFill>
+          <a:blip r:embed="rId2">
+            <a:extLst>
+              <a:ext uri="{28A0092B-C50C-407E-A947-70E740481C1C}">
+                <a14:useLocalDpi xmlns:a14="http://schemas.microsoft.com/office/drawing/2010/main" val="0"/>
+              </a:ext>
+            </a:extLst>
+          </a:blip>
+          <a:stretch>
+            <a:fillRect/>
+          </a:stretch>
+        </p:blipFill>
+        <p:spPr>
+          <a:xfrm>
+            <a:off x="2405879" y="0"/>
+            <a:ext cx="6738121" cy="5143500"/>
+          </a:xfrm>
+          <a:prstGeom prst="rect">
+            <a:avLst/>
+          </a:prstGeom>
+        </p:spPr>
+      </p:pic>
+    </p:spTree>
+    <p:extLst>
+      <p:ext uri="{BB962C8B-B14F-4D97-AF65-F5344CB8AC3E}">
+        <p14:creationId xmlns:p14="http://schemas.microsoft.com/office/powerpoint/2010/main" val="3187863436"/>
+      </p:ext>
+    </p:extLst>
+  </p:cSld>
+  <p:clrMapOvr>
+    <a:masterClrMapping/>
+  </p:clrMapOvr>
+</p:sld>
+</file>
+
+<file path=ppt/slides/slide11.xml><?xml version="1.0" encoding="utf-8"?>
+<p:sld xmlns:a="http://schemas.openxmlformats.org/drawingml/2006/main" xmlns:r="http://schemas.openxmlformats.org/officeDocument/2006/relationships" xmlns:p="http://schemas.openxmlformats.org/presentationml/2006/main">
+  <p:cSld>
+    <p:spTree>
+      <p:nvGrpSpPr>
+        <p:cNvPr id="1" name=""/>
+        <p:cNvGrpSpPr/>
+        <p:nvPr/>
+      </p:nvGrpSpPr>
+      <p:grpSpPr>
+        <a:xfrm>
+          <a:off x="0" y="0"/>
+          <a:ext cx="0" cy="0"/>
+          <a:chOff x="0" y="0"/>
+          <a:chExt cx="0" cy="0"/>
+        </a:xfrm>
+      </p:grpSpPr>
+      <p:sp>
+        <p:nvSpPr>
+          <p:cNvPr id="6" name="TextBox 5">
+            <a:extLst>
+              <a:ext uri="{FF2B5EF4-FFF2-40B4-BE49-F238E27FC236}">
+                <a16:creationId xmlns:a16="http://schemas.microsoft.com/office/drawing/2014/main" id="{7AF7C7E3-D60B-3E26-6F6B-9F15E8E2BA82}"/>
+              </a:ext>
+            </a:extLst>
+          </p:cNvPr>
+          <p:cNvSpPr txBox="1"/>
+          <p:nvPr/>
+        </p:nvSpPr>
+        <p:spPr>
+          <a:xfrm>
+            <a:off x="2270502" y="588936"/>
+            <a:ext cx="6499408" cy="923330"/>
+          </a:xfrm>
+          <a:prstGeom prst="rect">
+            <a:avLst/>
+          </a:prstGeom>
+          <a:noFill/>
+        </p:spPr>
+        <p:txBody>
+          <a:bodyPr wrap="none" rtlCol="0">
+            <a:spAutoFit/>
+          </a:bodyPr>
+          <a:lstStyle/>
+          <a:p>
+            <a:r>
+              <a:rPr lang="en-US" b="1" dirty="0">
+                <a:solidFill>
+                  <a:schemeClr val="bg1"/>
+                </a:solidFill>
+              </a:rPr>
+              <a:t>Develop recommendations to improve the project initiation phase</a:t>
+            </a:r>
+          </a:p>
+          <a:p>
+            <a:r>
+              <a:rPr lang="en-US" b="1" dirty="0">
+                <a:solidFill>
+                  <a:schemeClr val="bg1"/>
+                </a:solidFill>
+              </a:rPr>
+              <a:t>and requirement elicitation process and</a:t>
+            </a:r>
+          </a:p>
+          <a:p>
+            <a:r>
+              <a:rPr lang="en-US" b="1" dirty="0">
+                <a:solidFill>
+                  <a:schemeClr val="bg1"/>
+                </a:solidFill>
+              </a:rPr>
+              <a:t>how that will improve the life cycle of the project</a:t>
+            </a:r>
+            <a:r>
+              <a:rPr lang="en-LK" b="1" dirty="0">
+                <a:solidFill>
+                  <a:schemeClr val="bg1"/>
+                </a:solidFill>
+              </a:rPr>
+              <a:t>.</a:t>
+            </a:r>
+            <a:endParaRPr lang="en-LK" dirty="0">
+              <a:solidFill>
+                <a:schemeClr val="bg1"/>
+              </a:solidFill>
+            </a:endParaRPr>
+          </a:p>
+        </p:txBody>
+      </p:sp>
+      <p:sp>
+        <p:nvSpPr>
+          <p:cNvPr id="7" name="TextBox 6">
+            <a:extLst>
+              <a:ext uri="{FF2B5EF4-FFF2-40B4-BE49-F238E27FC236}">
+                <a16:creationId xmlns:a16="http://schemas.microsoft.com/office/drawing/2014/main" id="{33DA2925-324C-62DB-1FB8-06D3B4D45CC4}"/>
+              </a:ext>
+            </a:extLst>
+          </p:cNvPr>
+          <p:cNvSpPr txBox="1"/>
+          <p:nvPr/>
+        </p:nvSpPr>
+        <p:spPr>
+          <a:xfrm>
+            <a:off x="2843939" y="2038027"/>
+            <a:ext cx="3488263" cy="646331"/>
+          </a:xfrm>
+          <a:prstGeom prst="rect">
+            <a:avLst/>
+          </a:prstGeom>
+          <a:noFill/>
+        </p:spPr>
+        <p:txBody>
+          <a:bodyPr wrap="none" rtlCol="0">
+            <a:spAutoFit/>
+          </a:bodyPr>
+          <a:lstStyle/>
+          <a:p>
+            <a:pPr marL="285750" indent="-285750">
+              <a:buFont typeface="Arial" panose="020B0604020202020204" pitchFamily="34" charset="0"/>
+              <a:buChar char="•"/>
+            </a:pPr>
+            <a:r>
+              <a:rPr lang="en-US" dirty="0">
+                <a:solidFill>
+                  <a:schemeClr val="bg1"/>
+                </a:solidFill>
+              </a:rPr>
+              <a:t>Initiation Phase</a:t>
+            </a:r>
+            <a:r>
+              <a:rPr lang="en-LK" dirty="0">
+                <a:solidFill>
+                  <a:schemeClr val="bg1"/>
+                </a:solidFill>
+              </a:rPr>
+              <a:t> </a:t>
+            </a:r>
+          </a:p>
+          <a:p>
+            <a:pPr marL="285750" indent="-285750">
+              <a:buFont typeface="Arial" panose="020B0604020202020204" pitchFamily="34" charset="0"/>
+              <a:buChar char="•"/>
+            </a:pPr>
+            <a:r>
+              <a:rPr lang="en-US" dirty="0">
+                <a:solidFill>
+                  <a:schemeClr val="bg1"/>
+                </a:solidFill>
+              </a:rPr>
+              <a:t>Requirement Elicitation Process</a:t>
+            </a:r>
+            <a:r>
+              <a:rPr lang="en-LK" dirty="0">
+                <a:solidFill>
+                  <a:schemeClr val="bg1"/>
+                </a:solidFill>
+              </a:rPr>
+              <a:t> </a:t>
+            </a:r>
+          </a:p>
+        </p:txBody>
+      </p:sp>
+    </p:spTree>
+    <p:extLst>
+      <p:ext uri="{BB962C8B-B14F-4D97-AF65-F5344CB8AC3E}">
+        <p14:creationId xmlns:p14="http://schemas.microsoft.com/office/powerpoint/2010/main" val="2752214140"/>
+      </p:ext>
+    </p:extLst>
+  </p:cSld>
+  <p:clrMapOvr>
+    <a:masterClrMapping/>
+  </p:clrMapOvr>
+</p:sld>
+</file>
+
+<file path=ppt/slides/slide12.xml><?xml version="1.0" encoding="utf-8"?>
+<p:sld xmlns:a="http://schemas.openxmlformats.org/drawingml/2006/main" xmlns:r="http://schemas.openxmlformats.org/officeDocument/2006/relationships" xmlns:p="http://schemas.openxmlformats.org/presentationml/2006/main">
+  <p:cSld>
+    <p:spTree>
+      <p:nvGrpSpPr>
+        <p:cNvPr id="1" name=""/>
+        <p:cNvGrpSpPr/>
+        <p:nvPr/>
+      </p:nvGrpSpPr>
+      <p:grpSpPr>
+        <a:xfrm>
+          <a:off x="0" y="0"/>
+          <a:ext cx="0" cy="0"/>
+          <a:chOff x="0" y="0"/>
+          <a:chExt cx="0" cy="0"/>
+        </a:xfrm>
+      </p:grpSpPr>
+      <p:sp>
+        <p:nvSpPr>
+          <p:cNvPr id="4" name="TextBox 3">
+            <a:extLst>
+              <a:ext uri="{FF2B5EF4-FFF2-40B4-BE49-F238E27FC236}">
+                <a16:creationId xmlns:a16="http://schemas.microsoft.com/office/drawing/2014/main" id="{659497B7-D87A-6587-55A1-E7D0A8D908CC}"/>
+              </a:ext>
+            </a:extLst>
+          </p:cNvPr>
+          <p:cNvSpPr txBox="1"/>
+          <p:nvPr/>
+        </p:nvSpPr>
+        <p:spPr>
+          <a:xfrm>
+            <a:off x="3014420" y="1968284"/>
+            <a:ext cx="5130956" cy="523220"/>
+          </a:xfrm>
+          <a:prstGeom prst="rect">
+            <a:avLst/>
+          </a:prstGeom>
+          <a:noFill/>
+        </p:spPr>
+        <p:txBody>
+          <a:bodyPr wrap="none" rtlCol="0">
+            <a:spAutoFit/>
+          </a:bodyPr>
+          <a:lstStyle/>
+          <a:p>
+            <a:r>
+              <a:rPr lang="en-US" sz="2800" b="1" dirty="0">
+                <a:solidFill>
+                  <a:schemeClr val="bg1"/>
+                </a:solidFill>
+              </a:rPr>
+              <a:t>Risks associated with the project</a:t>
+            </a:r>
+            <a:r>
+              <a:rPr lang="en-LK" sz="2800" dirty="0">
+                <a:solidFill>
+                  <a:schemeClr val="bg1"/>
+                </a:solidFill>
+              </a:rPr>
+              <a:t> </a:t>
+            </a:r>
+          </a:p>
+        </p:txBody>
+      </p:sp>
+    </p:spTree>
+    <p:extLst>
+      <p:ext uri="{BB962C8B-B14F-4D97-AF65-F5344CB8AC3E}">
+        <p14:creationId xmlns:p14="http://schemas.microsoft.com/office/powerpoint/2010/main" val="971589282"/>
+      </p:ext>
+    </p:extLst>
+  </p:cSld>
+  <p:clrMapOvr>
+    <a:masterClrMapping/>
+  </p:clrMapOvr>
+</p:sld>
+</file>
+
+<file path=ppt/slides/slide13.xml><?xml version="1.0" encoding="utf-8"?>
+<p:sld xmlns:a="http://schemas.openxmlformats.org/drawingml/2006/main" xmlns:r="http://schemas.openxmlformats.org/officeDocument/2006/relationships" xmlns:p="http://schemas.openxmlformats.org/presentationml/2006/main">
+  <p:cSld>
+    <p:spTree>
+      <p:nvGrpSpPr>
+        <p:cNvPr id="1" name=""/>
+        <p:cNvGrpSpPr/>
+        <p:nvPr/>
+      </p:nvGrpSpPr>
+      <p:grpSpPr>
+        <a:xfrm>
+          <a:off x="0" y="0"/>
+          <a:ext cx="0" cy="0"/>
+          <a:chOff x="0" y="0"/>
+          <a:chExt cx="0" cy="0"/>
+        </a:xfrm>
+      </p:grpSpPr>
+      <p:sp>
+        <p:nvSpPr>
+          <p:cNvPr id="2" name="Title 1"/>
+          <p:cNvSpPr>
+            <a:spLocks noGrp="1"/>
+          </p:cNvSpPr>
+          <p:nvPr>
+            <p:ph type="ctrTitle"/>
+          </p:nvPr>
+        </p:nvSpPr>
+        <p:spPr>
+          <a:xfrm>
+            <a:off x="1571700" y="1975784"/>
+            <a:ext cx="7104785" cy="1496963"/>
+          </a:xfrm>
+        </p:spPr>
+        <p:txBody>
+          <a:bodyPr>
+            <a:noAutofit/>
+          </a:bodyPr>
+          <a:lstStyle/>
+          <a:p>
+            <a:r>
+              <a:rPr lang="en-US" sz="9600" dirty="0"/>
+              <a:t>Q &amp; A</a:t>
+            </a:r>
+            <a:r>
+              <a:rPr lang="en-US" sz="12000" dirty="0">
+                <a:solidFill>
+                  <a:srgbClr val="FF0000"/>
+                </a:solidFill>
+              </a:rPr>
+              <a:t>?</a:t>
+            </a:r>
+            <a:r>
+              <a:rPr lang="en-US" sz="9600" dirty="0"/>
+              <a:t> </a:t>
+            </a:r>
+          </a:p>
+        </p:txBody>
+      </p:sp>
+    </p:spTree>
+    <p:extLst>
+      <p:ext uri="{BB962C8B-B14F-4D97-AF65-F5344CB8AC3E}">
+        <p14:creationId xmlns:p14="http://schemas.microsoft.com/office/powerpoint/2010/main" val="3474576114"/>
+      </p:ext>
+    </p:extLst>
+  </p:cSld>
+  <p:clrMapOvr>
+    <a:masterClrMapping/>
+  </p:clrMapOvr>
+</p:sld>
+</file>
+
+<file path=ppt/slides/slide14.xml><?xml version="1.0" encoding="utf-8"?>
+<p:sld xmlns:a="http://schemas.openxmlformats.org/drawingml/2006/main" xmlns:r="http://schemas.openxmlformats.org/officeDocument/2006/relationships" xmlns:p="http://schemas.openxmlformats.org/presentationml/2006/main">
+  <p:cSld>
+    <p:spTree>
+      <p:nvGrpSpPr>
+        <p:cNvPr id="1" name=""/>
+        <p:cNvGrpSpPr/>
+        <p:nvPr/>
+      </p:nvGrpSpPr>
+      <p:grpSpPr>
+        <a:xfrm>
+          <a:off x="0" y="0"/>
+          <a:ext cx="0" cy="0"/>
+          <a:chOff x="0" y="0"/>
+          <a:chExt cx="0" cy="0"/>
+        </a:xfrm>
+      </p:grpSpPr>
+      <p:sp>
+        <p:nvSpPr>
+          <p:cNvPr id="2" name="Title 1"/>
+          <p:cNvSpPr>
+            <a:spLocks noGrp="1"/>
+          </p:cNvSpPr>
+          <p:nvPr>
+            <p:ph type="title"/>
+          </p:nvPr>
+        </p:nvSpPr>
+        <p:spPr>
+          <a:xfrm>
+            <a:off x="1885289" y="318046"/>
+            <a:ext cx="6827643" cy="3690189"/>
+          </a:xfrm>
+        </p:spPr>
+        <p:txBody>
+          <a:bodyPr>
+            <a:normAutofit/>
+          </a:bodyPr>
+          <a:lstStyle/>
+          <a:p>
+            <a:pPr algn="ctr"/>
+            <a:r>
+              <a:rPr lang="en-US" sz="9600" b="1" dirty="0"/>
+              <a:t>THANK YOU!</a:t>
+            </a:r>
+          </a:p>
+        </p:txBody>
+      </p:sp>
+    </p:spTree>
+    <p:extLst>
+      <p:ext uri="{BB962C8B-B14F-4D97-AF65-F5344CB8AC3E}">
+        <p14:creationId xmlns:p14="http://schemas.microsoft.com/office/powerpoint/2010/main" val="857421868"/>
+      </p:ext>
+    </p:extLst>
+  </p:cSld>
+  <p:clrMapOvr>
+    <a:masterClrMapping/>
+  </p:clrMapOvr>
+</p:sld>
+</file>
+
 <file path=ppt/slides/slide2.xml><?xml version="1.0" encoding="utf-8"?>
 <p:sld xmlns:a="http://schemas.openxmlformats.org/drawingml/2006/main" xmlns:r="http://schemas.openxmlformats.org/officeDocument/2006/relationships" xmlns:p="http://schemas.openxmlformats.org/presentationml/2006/main">
   <p:cSld>
@@ -4625,7 +4996,11 @@
           <a:lstStyle/>
           <a:p>
             <a:r>
-              <a:rPr lang="en-US" u="sng" dirty="0"/>
+              <a:rPr lang="en-US" u="sng" dirty="0">
+                <a:solidFill>
+                  <a:schemeClr val="bg1"/>
+                </a:solidFill>
+              </a:rPr>
               <a:t>Responsibilities as a BA member</a:t>
             </a:r>
           </a:p>
@@ -4711,138 +5086,240 @@
       </p:grpSpPr>
       <p:sp>
         <p:nvSpPr>
-          <p:cNvPr id="4" name="Title 3"/>
-          <p:cNvSpPr>
-            <a:spLocks noGrp="1"/>
-          </p:cNvSpPr>
-          <p:nvPr>
-            <p:ph type="title"/>
-          </p:nvPr>
-        </p:nvSpPr>
-        <p:spPr/>
-        <p:txBody>
-          <a:bodyPr>
-            <a:normAutofit/>
+          <p:cNvPr id="6" name="TextBox 5">
+            <a:extLst>
+              <a:ext uri="{FF2B5EF4-FFF2-40B4-BE49-F238E27FC236}">
+                <a16:creationId xmlns:a16="http://schemas.microsoft.com/office/drawing/2014/main" id="{27D0B232-4FB7-CF08-CDE5-239F4A4781C0}"/>
+              </a:ext>
+            </a:extLst>
+          </p:cNvPr>
+          <p:cNvSpPr txBox="1"/>
+          <p:nvPr/>
+        </p:nvSpPr>
+        <p:spPr>
+          <a:xfrm>
+            <a:off x="2371241" y="511444"/>
+            <a:ext cx="6202019" cy="707886"/>
+          </a:xfrm>
+          <a:prstGeom prst="rect">
+            <a:avLst/>
+          </a:prstGeom>
+          <a:noFill/>
+        </p:spPr>
+        <p:txBody>
+          <a:bodyPr wrap="none" rtlCol="0">
+            <a:spAutoFit/>
           </a:bodyPr>
           <a:lstStyle/>
           <a:p>
             <a:r>
-              <a:rPr lang="en-US" dirty="0"/>
-              <a:t>Slide Title</a:t>
-            </a:r>
-          </a:p>
-        </p:txBody>
-      </p:sp>
-      <p:sp>
-        <p:nvSpPr>
-          <p:cNvPr id="5" name="Text Placeholder 4"/>
-          <p:cNvSpPr>
-            <a:spLocks noGrp="1"/>
-          </p:cNvSpPr>
-          <p:nvPr>
-            <p:ph type="body" idx="1"/>
-          </p:nvPr>
-        </p:nvSpPr>
-        <p:spPr/>
-        <p:txBody>
-          <a:bodyPr/>
-          <a:lstStyle/>
-          <a:p>
-            <a:r>
-              <a:rPr lang="en-US"/>
-              <a:t>Product A</a:t>
-            </a:r>
-            <a:endParaRPr lang="en-US" dirty="0"/>
-          </a:p>
-        </p:txBody>
-      </p:sp>
-      <p:sp>
-        <p:nvSpPr>
-          <p:cNvPr id="6" name="Content Placeholder 5"/>
-          <p:cNvSpPr>
-            <a:spLocks noGrp="1"/>
-          </p:cNvSpPr>
-          <p:nvPr>
-            <p:ph sz="half" idx="2"/>
-          </p:nvPr>
-        </p:nvSpPr>
-        <p:spPr/>
-        <p:txBody>
-          <a:bodyPr/>
-          <a:lstStyle/>
-          <a:p>
-            <a:r>
-              <a:rPr lang="en-US"/>
-              <a:t>Feature 1</a:t>
-            </a:r>
-          </a:p>
-          <a:p>
-            <a:r>
-              <a:rPr lang="en-US"/>
-              <a:t>Feature 2</a:t>
-            </a:r>
-          </a:p>
-          <a:p>
-            <a:r>
-              <a:rPr lang="en-US"/>
-              <a:t>Feature 3</a:t>
-            </a:r>
-            <a:endParaRPr lang="en-US" dirty="0"/>
-          </a:p>
-        </p:txBody>
-      </p:sp>
-      <p:sp>
-        <p:nvSpPr>
-          <p:cNvPr id="7" name="Text Placeholder 6"/>
-          <p:cNvSpPr>
-            <a:spLocks noGrp="1"/>
-          </p:cNvSpPr>
-          <p:nvPr>
-            <p:ph type="body" sz="quarter" idx="3"/>
-          </p:nvPr>
-        </p:nvSpPr>
-        <p:spPr/>
-        <p:txBody>
-          <a:bodyPr/>
-          <a:lstStyle/>
-          <a:p>
-            <a:r>
-              <a:rPr lang="en-US"/>
-              <a:t>Product B</a:t>
-            </a:r>
-          </a:p>
-        </p:txBody>
-      </p:sp>
-      <p:sp>
-        <p:nvSpPr>
-          <p:cNvPr id="8" name="Content Placeholder 7"/>
-          <p:cNvSpPr>
-            <a:spLocks noGrp="1"/>
-          </p:cNvSpPr>
-          <p:nvPr>
-            <p:ph sz="quarter" idx="4"/>
-          </p:nvPr>
-        </p:nvSpPr>
-        <p:spPr/>
-        <p:txBody>
-          <a:bodyPr/>
-          <a:lstStyle/>
-          <a:p>
-            <a:r>
-              <a:rPr lang="en-US"/>
-              <a:t>Feature 1</a:t>
-            </a:r>
-          </a:p>
-          <a:p>
-            <a:r>
-              <a:rPr lang="en-US"/>
-              <a:t>Feature 2</a:t>
-            </a:r>
-          </a:p>
-          <a:p>
-            <a:r>
-              <a:rPr lang="en-US"/>
-              <a:t>Feature 3</a:t>
+              <a:rPr lang="en-US" sz="2000" b="1" u="sng" dirty="0">
+                <a:solidFill>
+                  <a:schemeClr val="bg1"/>
+                </a:solidFill>
+              </a:rPr>
+              <a:t>Key tasks which will be carried out in each stage of SDLC </a:t>
+            </a:r>
+          </a:p>
+          <a:p>
+            <a:r>
+              <a:rPr lang="en-US" sz="2000" b="1" u="sng" dirty="0">
+                <a:solidFill>
+                  <a:schemeClr val="bg1"/>
+                </a:solidFill>
+              </a:rPr>
+              <a:t>and the importance of each.</a:t>
+            </a:r>
+            <a:r>
+              <a:rPr lang="en-LK" sz="2000" u="sng" dirty="0">
+                <a:solidFill>
+                  <a:schemeClr val="bg1"/>
+                </a:solidFill>
+              </a:rPr>
+              <a:t> </a:t>
+            </a:r>
+          </a:p>
+        </p:txBody>
+      </p:sp>
+      <p:sp>
+        <p:nvSpPr>
+          <p:cNvPr id="7" name="TextBox 6">
+            <a:extLst>
+              <a:ext uri="{FF2B5EF4-FFF2-40B4-BE49-F238E27FC236}">
+                <a16:creationId xmlns:a16="http://schemas.microsoft.com/office/drawing/2014/main" id="{4D50FE47-9D64-3C4D-2CC7-B269796F0976}"/>
+              </a:ext>
+            </a:extLst>
+          </p:cNvPr>
+          <p:cNvSpPr txBox="1"/>
+          <p:nvPr/>
+        </p:nvSpPr>
+        <p:spPr>
+          <a:xfrm>
+            <a:off x="2440983" y="1642820"/>
+            <a:ext cx="3386120" cy="2031325"/>
+          </a:xfrm>
+          <a:prstGeom prst="rect">
+            <a:avLst/>
+          </a:prstGeom>
+          <a:noFill/>
+        </p:spPr>
+        <p:txBody>
+          <a:bodyPr wrap="none" rtlCol="0">
+            <a:spAutoFit/>
+          </a:bodyPr>
+          <a:lstStyle/>
+          <a:p>
+            <a:pPr marL="285750" indent="-285750">
+              <a:buFont typeface="Arial" panose="020B0604020202020204" pitchFamily="34" charset="0"/>
+              <a:buChar char="•"/>
+            </a:pPr>
+            <a:r>
+              <a:rPr lang="en-US" dirty="0">
+                <a:solidFill>
+                  <a:schemeClr val="bg1"/>
+                </a:solidFill>
+              </a:rPr>
+              <a:t>Initiation</a:t>
+            </a:r>
+            <a:r>
+              <a:rPr lang="en-LK" dirty="0">
+                <a:solidFill>
+                  <a:schemeClr val="bg1"/>
+                </a:solidFill>
+              </a:rPr>
+              <a:t> </a:t>
+            </a:r>
+          </a:p>
+          <a:p>
+            <a:pPr marL="285750" indent="-285750">
+              <a:buFont typeface="Arial" panose="020B0604020202020204" pitchFamily="34" charset="0"/>
+              <a:buChar char="•"/>
+            </a:pPr>
+            <a:r>
+              <a:rPr lang="en-US" dirty="0">
+                <a:solidFill>
+                  <a:schemeClr val="bg1"/>
+                </a:solidFill>
+              </a:rPr>
+              <a:t>Requirements</a:t>
+            </a:r>
+            <a:r>
+              <a:rPr lang="en-LK" dirty="0">
+                <a:solidFill>
+                  <a:schemeClr val="bg1"/>
+                </a:solidFill>
+              </a:rPr>
+              <a:t> </a:t>
+            </a:r>
+          </a:p>
+          <a:p>
+            <a:pPr marL="285750" indent="-285750">
+              <a:buFont typeface="Arial" panose="020B0604020202020204" pitchFamily="34" charset="0"/>
+              <a:buChar char="•"/>
+            </a:pPr>
+            <a:r>
+              <a:rPr lang="en-US" dirty="0">
+                <a:solidFill>
+                  <a:schemeClr val="bg1"/>
+                </a:solidFill>
+              </a:rPr>
+              <a:t>Design</a:t>
+            </a:r>
+            <a:r>
+              <a:rPr lang="en-LK" dirty="0">
+                <a:solidFill>
+                  <a:schemeClr val="bg1"/>
+                </a:solidFill>
+              </a:rPr>
+              <a:t> </a:t>
+            </a:r>
+          </a:p>
+          <a:p>
+            <a:pPr marL="285750" indent="-285750">
+              <a:buFont typeface="Arial" panose="020B0604020202020204" pitchFamily="34" charset="0"/>
+              <a:buChar char="•"/>
+            </a:pPr>
+            <a:r>
+              <a:rPr lang="en-US" dirty="0">
+                <a:solidFill>
+                  <a:schemeClr val="bg1"/>
+                </a:solidFill>
+              </a:rPr>
+              <a:t>Development/implementation</a:t>
+            </a:r>
+            <a:r>
+              <a:rPr lang="en-LK" dirty="0">
+                <a:solidFill>
+                  <a:schemeClr val="bg1"/>
+                </a:solidFill>
+              </a:rPr>
+              <a:t> </a:t>
+            </a:r>
+          </a:p>
+          <a:p>
+            <a:pPr marL="285750" indent="-285750">
+              <a:buFont typeface="Arial" panose="020B0604020202020204" pitchFamily="34" charset="0"/>
+              <a:buChar char="•"/>
+            </a:pPr>
+            <a:r>
+              <a:rPr lang="en-US" dirty="0">
+                <a:solidFill>
+                  <a:schemeClr val="bg1"/>
+                </a:solidFill>
+              </a:rPr>
+              <a:t>Testing</a:t>
+            </a:r>
+            <a:r>
+              <a:rPr lang="en-LK" dirty="0">
+                <a:solidFill>
+                  <a:schemeClr val="bg1"/>
+                </a:solidFill>
+              </a:rPr>
+              <a:t> </a:t>
+            </a:r>
+          </a:p>
+          <a:p>
+            <a:pPr marL="285750" indent="-285750">
+              <a:buFont typeface="Arial" panose="020B0604020202020204" pitchFamily="34" charset="0"/>
+              <a:buChar char="•"/>
+            </a:pPr>
+            <a:r>
+              <a:rPr lang="en-US" dirty="0">
+                <a:solidFill>
+                  <a:schemeClr val="bg1"/>
+                </a:solidFill>
+              </a:rPr>
+              <a:t>Deployment</a:t>
+            </a:r>
+            <a:r>
+              <a:rPr lang="en-LK" dirty="0">
+                <a:solidFill>
+                  <a:schemeClr val="bg1"/>
+                </a:solidFill>
+              </a:rPr>
+              <a:t> </a:t>
+            </a:r>
+          </a:p>
+          <a:p>
+            <a:pPr marL="285750" indent="-285750">
+              <a:buFont typeface="Arial" panose="020B0604020202020204" pitchFamily="34" charset="0"/>
+              <a:buChar char="•"/>
+            </a:pPr>
+            <a:r>
+              <a:rPr lang="en-US" dirty="0">
+                <a:solidFill>
+                  <a:schemeClr val="bg1"/>
+                </a:solidFill>
+              </a:rPr>
+              <a:t>Maintenance</a:t>
+            </a:r>
+            <a:r>
+              <a:rPr lang="en-LK" dirty="0">
+                <a:solidFill>
+                  <a:schemeClr val="bg1"/>
+                </a:solidFill>
+              </a:rPr>
+              <a:t> </a:t>
             </a:r>
           </a:p>
         </p:txBody>
@@ -4850,7 +5327,7 @@
     </p:spTree>
     <p:extLst>
       <p:ext uri="{BB962C8B-B14F-4D97-AF65-F5344CB8AC3E}">
-        <p14:creationId xmlns:p14="http://schemas.microsoft.com/office/powerpoint/2010/main" val="4170783713"/>
+        <p14:creationId xmlns:p14="http://schemas.microsoft.com/office/powerpoint/2010/main" val="2069370449"/>
       </p:ext>
     </p:extLst>
   </p:cSld>
@@ -4877,53 +5354,111 @@
           <a:chExt cx="0" cy="0"/>
         </a:xfrm>
       </p:grpSpPr>
-      <p:pic>
-        <p:nvPicPr>
-          <p:cNvPr id="3" name="Picture 2" descr="E:\websites\free-power-point-templates\2012\logos.png"/>
-          <p:cNvPicPr>
-            <a:picLocks noChangeAspect="1" noChangeArrowheads="1"/>
-          </p:cNvPicPr>
-          <p:nvPr/>
-        </p:nvPicPr>
-        <p:blipFill>
-          <a:blip r:embed="rId3">
+      <p:sp>
+        <p:nvSpPr>
+          <p:cNvPr id="4" name="TextBox 3">
             <a:extLst>
-              <a:ext uri="{28A0092B-C50C-407E-A947-70E740481C1C}">
-                <a14:useLocalDpi xmlns:a14="http://schemas.microsoft.com/office/drawing/2010/main" val="0"/>
+              <a:ext uri="{FF2B5EF4-FFF2-40B4-BE49-F238E27FC236}">
+                <a16:creationId xmlns:a16="http://schemas.microsoft.com/office/drawing/2014/main" id="{379CBC2F-561E-C4E4-0473-2FEE23BBEF9B}"/>
               </a:ext>
             </a:extLst>
-          </a:blip>
-          <a:stretch>
-            <a:fillRect/>
-          </a:stretch>
-        </p:blipFill>
-        <p:spPr bwMode="auto">
+          </p:cNvPr>
+          <p:cNvSpPr txBox="1"/>
+          <p:nvPr/>
+        </p:nvSpPr>
+        <p:spPr>
           <a:xfrm>
-            <a:off x="3808475" y="2326213"/>
-            <a:ext cx="1463784" cy="526961"/>
+            <a:off x="2371241" y="588935"/>
+            <a:ext cx="5378204" cy="646331"/>
           </a:xfrm>
           <a:prstGeom prst="rect">
             <a:avLst/>
           </a:prstGeom>
           <a:noFill/>
-          <a:ln>
-            <a:noFill/>
-          </a:ln>
-          <a:extLst>
-            <a:ext uri="{909E8E84-426E-40DD-AFC4-6F175D3DCCD1}">
-              <a14:hiddenFill xmlns:a14="http://schemas.microsoft.com/office/drawing/2010/main">
-                <a:solidFill>
-                  <a:srgbClr val="FFFFFF"/>
-                </a:solidFill>
-              </a14:hiddenFill>
-            </a:ext>
-          </a:extLst>
         </p:spPr>
-      </p:pic>
+        <p:txBody>
+          <a:bodyPr wrap="none" rtlCol="0">
+            <a:spAutoFit/>
+          </a:bodyPr>
+          <a:lstStyle/>
+          <a:p>
+            <a:r>
+              <a:rPr lang="en-US" b="1" dirty="0">
+                <a:solidFill>
+                  <a:schemeClr val="bg1"/>
+                </a:solidFill>
+              </a:rPr>
+              <a:t>The software development methodology will be more </a:t>
+            </a:r>
+          </a:p>
+          <a:p>
+            <a:r>
+              <a:rPr lang="en-US" b="1" dirty="0">
+                <a:solidFill>
+                  <a:schemeClr val="bg1"/>
+                </a:solidFill>
+              </a:rPr>
+              <a:t>appropriate to be used.</a:t>
+            </a:r>
+            <a:r>
+              <a:rPr lang="en-LK" dirty="0">
+                <a:solidFill>
+                  <a:schemeClr val="bg1"/>
+                </a:solidFill>
+              </a:rPr>
+              <a:t> </a:t>
+            </a:r>
+          </a:p>
+        </p:txBody>
+      </p:sp>
+      <p:sp>
+        <p:nvSpPr>
+          <p:cNvPr id="5" name="TextBox 4">
+            <a:extLst>
+              <a:ext uri="{FF2B5EF4-FFF2-40B4-BE49-F238E27FC236}">
+                <a16:creationId xmlns:a16="http://schemas.microsoft.com/office/drawing/2014/main" id="{8B31A0B7-66AC-EE51-2DFA-76313F741A3D}"/>
+              </a:ext>
+            </a:extLst>
+          </p:cNvPr>
+          <p:cNvSpPr txBox="1"/>
+          <p:nvPr/>
+        </p:nvSpPr>
+        <p:spPr>
+          <a:xfrm>
+            <a:off x="2735451" y="1875295"/>
+            <a:ext cx="3427220" cy="369332"/>
+          </a:xfrm>
+          <a:prstGeom prst="rect">
+            <a:avLst/>
+          </a:prstGeom>
+          <a:noFill/>
+        </p:spPr>
+        <p:txBody>
+          <a:bodyPr wrap="none" rtlCol="0">
+            <a:spAutoFit/>
+          </a:bodyPr>
+          <a:lstStyle/>
+          <a:p>
+            <a:r>
+              <a:rPr lang="en-US" dirty="0">
+                <a:solidFill>
+                  <a:schemeClr val="bg1"/>
+                </a:solidFill>
+              </a:rPr>
+              <a:t>- Agile development methodology </a:t>
+            </a:r>
+            <a:endParaRPr lang="en-LK" dirty="0">
+              <a:solidFill>
+                <a:schemeClr val="bg1"/>
+              </a:solidFill>
+            </a:endParaRPr>
+          </a:p>
+        </p:txBody>
+      </p:sp>
     </p:spTree>
     <p:extLst>
       <p:ext uri="{BB962C8B-B14F-4D97-AF65-F5344CB8AC3E}">
-        <p14:creationId xmlns:p14="http://schemas.microsoft.com/office/powerpoint/2010/main" val="109100692"/>
+        <p14:creationId xmlns:p14="http://schemas.microsoft.com/office/powerpoint/2010/main" val="2730100676"/>
       </p:ext>
     </p:extLst>
   </p:cSld>
@@ -4952,49 +5487,161 @@
       </p:grpSpPr>
       <p:sp>
         <p:nvSpPr>
-          <p:cNvPr id="2" name="Title 1"/>
-          <p:cNvSpPr>
-            <a:spLocks noGrp="1"/>
-          </p:cNvSpPr>
-          <p:nvPr>
-            <p:ph type="ctrTitle"/>
-          </p:nvPr>
+          <p:cNvPr id="4" name="TextBox 3">
+            <a:extLst>
+              <a:ext uri="{FF2B5EF4-FFF2-40B4-BE49-F238E27FC236}">
+                <a16:creationId xmlns:a16="http://schemas.microsoft.com/office/drawing/2014/main" id="{9248E380-EE6F-810F-2F63-D1C8A6CEC9B3}"/>
+              </a:ext>
+            </a:extLst>
+          </p:cNvPr>
+          <p:cNvSpPr txBox="1"/>
+          <p:nvPr/>
         </p:nvSpPr>
         <p:spPr>
           <a:xfrm>
-            <a:off x="1571700" y="1975784"/>
-            <a:ext cx="7104785" cy="1496963"/>
+            <a:off x="2619214" y="774915"/>
+            <a:ext cx="5958234" cy="923330"/>
           </a:xfrm>
+          <a:prstGeom prst="rect">
+            <a:avLst/>
+          </a:prstGeom>
+          <a:noFill/>
         </p:spPr>
         <p:txBody>
-          <a:bodyPr>
-            <a:noAutofit/>
+          <a:bodyPr wrap="none" rtlCol="0">
+            <a:spAutoFit/>
           </a:bodyPr>
           <a:lstStyle/>
           <a:p>
             <a:r>
-              <a:rPr lang="en-US" sz="9600" dirty="0"/>
-              <a:t>Q &amp; A</a:t>
-            </a:r>
-            <a:r>
-              <a:rPr lang="en-US" sz="12000" dirty="0">
-                <a:solidFill>
-                  <a:srgbClr val="FF0000"/>
+              <a:rPr lang="en-US" b="1" dirty="0">
+                <a:solidFill>
+                  <a:schemeClr val="bg1"/>
                 </a:solidFill>
               </a:rPr>
-              <a:t>?</a:t>
-            </a:r>
-            <a:r>
-              <a:rPr lang="en-US" sz="9600" dirty="0"/>
+              <a:t>Three requirement gathering techniques which will be more </a:t>
+            </a:r>
+          </a:p>
+          <a:p>
+            <a:r>
+              <a:rPr lang="en-US" b="1" dirty="0">
+                <a:solidFill>
+                  <a:schemeClr val="bg1"/>
+                </a:solidFill>
+              </a:rPr>
+              <a:t>appropriate for the given system and</a:t>
+            </a:r>
+          </a:p>
+          <a:p>
+            <a:r>
+              <a:rPr lang="en-US" b="1" dirty="0">
+                <a:solidFill>
+                  <a:schemeClr val="bg1"/>
+                </a:solidFill>
+              </a:rPr>
+              <a:t>how each technique will be implemented.</a:t>
+            </a:r>
+            <a:r>
+              <a:rPr lang="en-LK" dirty="0">
+                <a:solidFill>
+                  <a:schemeClr val="bg1"/>
+                </a:solidFill>
+              </a:rPr>
               <a:t> </a:t>
             </a:r>
+          </a:p>
+        </p:txBody>
+      </p:sp>
+      <p:sp>
+        <p:nvSpPr>
+          <p:cNvPr id="5" name="TextBox 4">
+            <a:extLst>
+              <a:ext uri="{FF2B5EF4-FFF2-40B4-BE49-F238E27FC236}">
+                <a16:creationId xmlns:a16="http://schemas.microsoft.com/office/drawing/2014/main" id="{85E244BC-5AE5-5E76-5F37-368E0E3093D6}"/>
+              </a:ext>
+            </a:extLst>
+          </p:cNvPr>
+          <p:cNvSpPr txBox="1"/>
+          <p:nvPr/>
+        </p:nvSpPr>
+        <p:spPr>
+          <a:xfrm>
+            <a:off x="2851688" y="2185261"/>
+            <a:ext cx="2701702" cy="923330"/>
+          </a:xfrm>
+          <a:prstGeom prst="rect">
+            <a:avLst/>
+          </a:prstGeom>
+          <a:noFill/>
+        </p:spPr>
+        <p:txBody>
+          <a:bodyPr wrap="none" rtlCol="0">
+            <a:spAutoFit/>
+          </a:bodyPr>
+          <a:lstStyle/>
+          <a:p>
+            <a:pPr marL="285750" indent="-285750">
+              <a:buFont typeface="Arial" panose="020B0604020202020204" pitchFamily="34" charset="0"/>
+              <a:buChar char="•"/>
+            </a:pPr>
+            <a:r>
+              <a:rPr lang="en-US" dirty="0">
+                <a:solidFill>
+                  <a:schemeClr val="bg1"/>
+                </a:solidFill>
+              </a:rPr>
+              <a:t>One-on-One Interviews</a:t>
+            </a:r>
+            <a:endParaRPr lang="en-LK" dirty="0">
+              <a:solidFill>
+                <a:schemeClr val="bg1"/>
+              </a:solidFill>
+            </a:endParaRPr>
+          </a:p>
+          <a:p>
+            <a:pPr marL="285750" indent="-285750">
+              <a:buFont typeface="Arial" panose="020B0604020202020204" pitchFamily="34" charset="0"/>
+              <a:buChar char="•"/>
+            </a:pPr>
+            <a:r>
+              <a:rPr lang="en-US" dirty="0">
+                <a:solidFill>
+                  <a:schemeClr val="bg1"/>
+                </a:solidFill>
+              </a:rPr>
+              <a:t>Questionnaires/Surveys</a:t>
+            </a:r>
+            <a:endParaRPr lang="en-LK" dirty="0">
+              <a:solidFill>
+                <a:schemeClr val="bg1"/>
+              </a:solidFill>
+            </a:endParaRPr>
+          </a:p>
+          <a:p>
+            <a:pPr marL="285750" indent="-285750">
+              <a:buFont typeface="Arial" panose="020B0604020202020204" pitchFamily="34" charset="0"/>
+              <a:buChar char="•"/>
+            </a:pPr>
+            <a:r>
+              <a:rPr lang="en-US" dirty="0">
+                <a:solidFill>
+                  <a:schemeClr val="bg1"/>
+                </a:solidFill>
+              </a:rPr>
+              <a:t>User Observation</a:t>
+            </a:r>
+            <a:endParaRPr lang="en-LK" dirty="0">
+              <a:solidFill>
+                <a:schemeClr val="bg1"/>
+              </a:solidFill>
+            </a:endParaRPr>
           </a:p>
         </p:txBody>
       </p:sp>
     </p:spTree>
     <p:extLst>
       <p:ext uri="{BB962C8B-B14F-4D97-AF65-F5344CB8AC3E}">
-        <p14:creationId xmlns:p14="http://schemas.microsoft.com/office/powerpoint/2010/main" val="3474576114"/>
+        <p14:creationId xmlns:p14="http://schemas.microsoft.com/office/powerpoint/2010/main" val="778447055"/>
       </p:ext>
     </p:extLst>
   </p:cSld>
@@ -5023,38 +5670,409 @@
       </p:grpSpPr>
       <p:sp>
         <p:nvSpPr>
-          <p:cNvPr id="2" name="Title 1"/>
-          <p:cNvSpPr>
-            <a:spLocks noGrp="1"/>
-          </p:cNvSpPr>
-          <p:nvPr>
-            <p:ph type="title"/>
-          </p:nvPr>
+          <p:cNvPr id="4" name="TextBox 3">
+            <a:extLst>
+              <a:ext uri="{FF2B5EF4-FFF2-40B4-BE49-F238E27FC236}">
+                <a16:creationId xmlns:a16="http://schemas.microsoft.com/office/drawing/2014/main" id="{F2E0B4E7-2550-6488-EB94-6082A2F72610}"/>
+              </a:ext>
+            </a:extLst>
+          </p:cNvPr>
+          <p:cNvSpPr txBox="1"/>
+          <p:nvPr/>
         </p:nvSpPr>
         <p:spPr>
           <a:xfrm>
-            <a:off x="1885289" y="318046"/>
-            <a:ext cx="6827643" cy="3690189"/>
+            <a:off x="2665708" y="557939"/>
+            <a:ext cx="5985678" cy="923330"/>
           </a:xfrm>
+          <a:prstGeom prst="rect">
+            <a:avLst/>
+          </a:prstGeom>
+          <a:noFill/>
         </p:spPr>
         <p:txBody>
-          <a:bodyPr>
-            <a:normAutofit/>
+          <a:bodyPr wrap="none" rtlCol="0">
+            <a:spAutoFit/>
           </a:bodyPr>
           <a:lstStyle/>
           <a:p>
-            <a:pPr algn="ctr"/>
-            <a:r>
-              <a:rPr lang="en-US" sz="9600" b="1" dirty="0"/>
-              <a:t>THANK YOU!</a:t>
-            </a:r>
+            <a:r>
+              <a:rPr lang="en-US" b="1" dirty="0">
+                <a:solidFill>
+                  <a:schemeClr val="bg1"/>
+                </a:solidFill>
+              </a:rPr>
+              <a:t>A list of the functional and non-functional requirements and </a:t>
+            </a:r>
+          </a:p>
+          <a:p>
+            <a:r>
+              <a:rPr lang="en-US" b="1" dirty="0">
+                <a:solidFill>
+                  <a:schemeClr val="bg1"/>
+                </a:solidFill>
+              </a:rPr>
+              <a:t>more on the selected nonfunctional requirements </a:t>
+            </a:r>
+          </a:p>
+          <a:p>
+            <a:r>
+              <a:rPr lang="en-US" b="1" dirty="0">
+                <a:solidFill>
+                  <a:schemeClr val="bg1"/>
+                </a:solidFill>
+              </a:rPr>
+              <a:t>particular to the given system</a:t>
+            </a:r>
+            <a:r>
+              <a:rPr lang="en-LK" b="1" dirty="0">
+                <a:solidFill>
+                  <a:schemeClr val="bg1"/>
+                </a:solidFill>
+              </a:rPr>
+              <a:t>.</a:t>
+            </a:r>
+            <a:endParaRPr lang="en-LK" dirty="0">
+              <a:solidFill>
+                <a:schemeClr val="bg1"/>
+              </a:solidFill>
+            </a:endParaRPr>
+          </a:p>
+        </p:txBody>
+      </p:sp>
+      <p:sp>
+        <p:nvSpPr>
+          <p:cNvPr id="5" name="TextBox 4">
+            <a:extLst>
+              <a:ext uri="{FF2B5EF4-FFF2-40B4-BE49-F238E27FC236}">
+                <a16:creationId xmlns:a16="http://schemas.microsoft.com/office/drawing/2014/main" id="{1493E27A-75E9-13EA-E8D4-0B7DAF25B57B}"/>
+              </a:ext>
+            </a:extLst>
+          </p:cNvPr>
+          <p:cNvSpPr txBox="1"/>
+          <p:nvPr/>
+        </p:nvSpPr>
+        <p:spPr>
+          <a:xfrm>
+            <a:off x="2665708" y="2069024"/>
+            <a:ext cx="3370603" cy="923330"/>
+          </a:xfrm>
+          <a:prstGeom prst="rect">
+            <a:avLst/>
+          </a:prstGeom>
+          <a:noFill/>
+        </p:spPr>
+        <p:txBody>
+          <a:bodyPr wrap="none" rtlCol="0">
+            <a:spAutoFit/>
+          </a:bodyPr>
+          <a:lstStyle/>
+          <a:p>
+            <a:pPr marL="285750" indent="-285750">
+              <a:buFont typeface="Arial" panose="020B0604020202020204" pitchFamily="34" charset="0"/>
+              <a:buChar char="•"/>
+            </a:pPr>
+            <a:r>
+              <a:rPr lang="en-US" u="sng" dirty="0">
+                <a:solidFill>
+                  <a:schemeClr val="bg1"/>
+                </a:solidFill>
+              </a:rPr>
+              <a:t>Functional Requirements:</a:t>
+            </a:r>
+          </a:p>
+          <a:p>
+            <a:pPr marL="285750" indent="-285750">
+              <a:buFont typeface="Arial" panose="020B0604020202020204" pitchFamily="34" charset="0"/>
+              <a:buChar char="•"/>
+            </a:pPr>
+            <a:endParaRPr lang="en-LK" dirty="0">
+              <a:solidFill>
+                <a:schemeClr val="bg1"/>
+              </a:solidFill>
+            </a:endParaRPr>
+          </a:p>
+          <a:p>
+            <a:pPr marL="285750" indent="-285750">
+              <a:buFont typeface="Arial" panose="020B0604020202020204" pitchFamily="34" charset="0"/>
+              <a:buChar char="•"/>
+            </a:pPr>
+            <a:r>
+              <a:rPr lang="en-US" b="1" u="sng" dirty="0">
+                <a:solidFill>
+                  <a:schemeClr val="bg1"/>
+                </a:solidFill>
+              </a:rPr>
+              <a:t>Non- functional requirements:</a:t>
+            </a:r>
+            <a:endParaRPr lang="en-LK" dirty="0">
+              <a:solidFill>
+                <a:schemeClr val="bg1"/>
+              </a:solidFill>
+            </a:endParaRPr>
           </a:p>
         </p:txBody>
       </p:sp>
     </p:spTree>
     <p:extLst>
       <p:ext uri="{BB962C8B-B14F-4D97-AF65-F5344CB8AC3E}">
-        <p14:creationId xmlns:p14="http://schemas.microsoft.com/office/powerpoint/2010/main" val="857421868"/>
+        <p14:creationId xmlns:p14="http://schemas.microsoft.com/office/powerpoint/2010/main" val="3465485252"/>
+      </p:ext>
+    </p:extLst>
+  </p:cSld>
+  <p:clrMapOvr>
+    <a:masterClrMapping/>
+  </p:clrMapOvr>
+</p:sld>
+</file>
+
+<file path=ppt/slides/slide9.xml><?xml version="1.0" encoding="utf-8"?>
+<p:sld xmlns:a="http://schemas.openxmlformats.org/drawingml/2006/main" xmlns:r="http://schemas.openxmlformats.org/officeDocument/2006/relationships" xmlns:p="http://schemas.openxmlformats.org/presentationml/2006/main">
+  <p:cSld>
+    <p:spTree>
+      <p:nvGrpSpPr>
+        <p:cNvPr id="1" name=""/>
+        <p:cNvGrpSpPr/>
+        <p:nvPr/>
+      </p:nvGrpSpPr>
+      <p:grpSpPr>
+        <a:xfrm>
+          <a:off x="0" y="0"/>
+          <a:ext cx="0" cy="0"/>
+          <a:chOff x="0" y="0"/>
+          <a:chExt cx="0" cy="0"/>
+        </a:xfrm>
+      </p:grpSpPr>
+      <p:sp>
+        <p:nvSpPr>
+          <p:cNvPr id="4" name="TextBox 3">
+            <a:extLst>
+              <a:ext uri="{FF2B5EF4-FFF2-40B4-BE49-F238E27FC236}">
+                <a16:creationId xmlns:a16="http://schemas.microsoft.com/office/drawing/2014/main" id="{CFD9E14B-5364-1261-1E30-63685D543BF2}"/>
+              </a:ext>
+            </a:extLst>
+          </p:cNvPr>
+          <p:cNvSpPr txBox="1"/>
+          <p:nvPr/>
+        </p:nvSpPr>
+        <p:spPr>
+          <a:xfrm>
+            <a:off x="2712388" y="503695"/>
+            <a:ext cx="3719223" cy="369332"/>
+          </a:xfrm>
+          <a:prstGeom prst="rect">
+            <a:avLst/>
+          </a:prstGeom>
+          <a:noFill/>
+        </p:spPr>
+        <p:txBody>
+          <a:bodyPr wrap="none" rtlCol="0">
+            <a:spAutoFit/>
+          </a:bodyPr>
+          <a:lstStyle/>
+          <a:p>
+            <a:r>
+              <a:rPr lang="en-GB" dirty="0">
+                <a:solidFill>
+                  <a:schemeClr val="bg1"/>
+                </a:solidFill>
+              </a:rPr>
+              <a:t>Use case diagram to the given system </a:t>
+            </a:r>
+          </a:p>
+        </p:txBody>
+      </p:sp>
+      <p:sp>
+        <p:nvSpPr>
+          <p:cNvPr id="6" name="TextBox 5">
+            <a:extLst>
+              <a:ext uri="{FF2B5EF4-FFF2-40B4-BE49-F238E27FC236}">
+                <a16:creationId xmlns:a16="http://schemas.microsoft.com/office/drawing/2014/main" id="{00AC7BA3-8512-4F1C-DD17-6D798CF3017B}"/>
+              </a:ext>
+            </a:extLst>
+          </p:cNvPr>
+          <p:cNvSpPr txBox="1"/>
+          <p:nvPr/>
+        </p:nvSpPr>
+        <p:spPr>
+          <a:xfrm>
+            <a:off x="2712388" y="1573078"/>
+            <a:ext cx="5555958" cy="2893100"/>
+          </a:xfrm>
+          <a:prstGeom prst="rect">
+            <a:avLst/>
+          </a:prstGeom>
+          <a:noFill/>
+        </p:spPr>
+        <p:txBody>
+          <a:bodyPr wrap="square" rtlCol="0">
+            <a:spAutoFit/>
+          </a:bodyPr>
+          <a:lstStyle/>
+          <a:p>
+            <a:pPr marL="285750" lvl="0" indent="-285750">
+              <a:buFont typeface="Arial" panose="020B0604020202020204" pitchFamily="34" charset="0"/>
+              <a:buChar char="•"/>
+            </a:pPr>
+            <a:r>
+              <a:rPr lang="en-US" sz="1400" dirty="0">
+                <a:solidFill>
+                  <a:schemeClr val="bg1"/>
+                </a:solidFill>
+              </a:rPr>
+              <a:t>In this management system patient’s info is being recorded. </a:t>
+            </a:r>
+          </a:p>
+          <a:p>
+            <a:pPr marL="285750" lvl="0" indent="-285750">
+              <a:buFont typeface="Arial" panose="020B0604020202020204" pitchFamily="34" charset="0"/>
+              <a:buChar char="•"/>
+            </a:pPr>
+            <a:r>
+              <a:rPr lang="en-US" sz="1400" dirty="0">
+                <a:solidFill>
+                  <a:schemeClr val="bg1"/>
+                </a:solidFill>
+              </a:rPr>
+              <a:t>And it’s been maintained in a database.</a:t>
+            </a:r>
+            <a:endParaRPr lang="en-LK" sz="1400" dirty="0">
+              <a:solidFill>
+                <a:schemeClr val="bg1"/>
+              </a:solidFill>
+            </a:endParaRPr>
+          </a:p>
+          <a:p>
+            <a:pPr marL="285750" lvl="0" indent="-285750">
+              <a:buFont typeface="Arial" panose="020B0604020202020204" pitchFamily="34" charset="0"/>
+              <a:buChar char="•"/>
+            </a:pPr>
+            <a:r>
+              <a:rPr lang="en-US" sz="1400" dirty="0">
+                <a:solidFill>
+                  <a:schemeClr val="bg1"/>
+                </a:solidFill>
+              </a:rPr>
+              <a:t>Available Appointments, Scheduled Appointments and Selected ones are store in appointments database.</a:t>
+            </a:r>
+            <a:endParaRPr lang="en-LK" sz="1400" dirty="0">
+              <a:solidFill>
+                <a:schemeClr val="bg1"/>
+              </a:solidFill>
+            </a:endParaRPr>
+          </a:p>
+          <a:p>
+            <a:pPr marL="285750" lvl="0" indent="-285750">
+              <a:buFont typeface="Arial" panose="020B0604020202020204" pitchFamily="34" charset="0"/>
+              <a:buChar char="•"/>
+            </a:pPr>
+            <a:r>
+              <a:rPr lang="en-US" sz="1400" dirty="0">
+                <a:solidFill>
+                  <a:schemeClr val="bg1"/>
+                </a:solidFill>
+              </a:rPr>
+              <a:t>Patient info with appointments, updated patient info &amp; newly patient info stored in patients database.</a:t>
+            </a:r>
+            <a:endParaRPr lang="en-LK" sz="1400" dirty="0">
+              <a:solidFill>
+                <a:schemeClr val="bg1"/>
+              </a:solidFill>
+            </a:endParaRPr>
+          </a:p>
+          <a:p>
+            <a:pPr marL="285750" lvl="0" indent="-285750">
+              <a:buFont typeface="Arial" panose="020B0604020202020204" pitchFamily="34" charset="0"/>
+              <a:buChar char="•"/>
+            </a:pPr>
+            <a:r>
+              <a:rPr lang="en-US" sz="1400" dirty="0">
+                <a:solidFill>
+                  <a:schemeClr val="bg1"/>
+                </a:solidFill>
+              </a:rPr>
+              <a:t>Prepare reports get data from patients database and appointments database &amp; it provides appointment and patient report for Doctor.</a:t>
+            </a:r>
+            <a:endParaRPr lang="en-LK" sz="1400" dirty="0">
+              <a:solidFill>
+                <a:schemeClr val="bg1"/>
+              </a:solidFill>
+            </a:endParaRPr>
+          </a:p>
+          <a:p>
+            <a:pPr marL="285750" lvl="0" indent="-285750">
+              <a:buFont typeface="Arial" panose="020B0604020202020204" pitchFamily="34" charset="0"/>
+              <a:buChar char="•"/>
+            </a:pPr>
+            <a:r>
+              <a:rPr lang="en-US" sz="1400" dirty="0">
+                <a:solidFill>
+                  <a:schemeClr val="bg1"/>
+                </a:solidFill>
+              </a:rPr>
+              <a:t>Billing and patient connected through appointments database.</a:t>
+            </a:r>
+            <a:endParaRPr lang="en-LK" sz="1400" dirty="0">
+              <a:solidFill>
+                <a:schemeClr val="bg1"/>
+              </a:solidFill>
+            </a:endParaRPr>
+          </a:p>
+          <a:p>
+            <a:pPr marL="285750" lvl="0" indent="-285750">
+              <a:buFont typeface="Arial" panose="020B0604020202020204" pitchFamily="34" charset="0"/>
+              <a:buChar char="•"/>
+            </a:pPr>
+            <a:r>
+              <a:rPr lang="en-US" sz="1400" dirty="0">
+                <a:solidFill>
+                  <a:schemeClr val="bg1"/>
+                </a:solidFill>
+              </a:rPr>
+              <a:t>Perform billing provides patient payment info to billing and, billing will return payment confirmation after the payment completely done.</a:t>
+            </a:r>
+            <a:endParaRPr lang="en-LK" sz="1400" dirty="0">
+              <a:solidFill>
+                <a:schemeClr val="bg1"/>
+              </a:solidFill>
+            </a:endParaRPr>
+          </a:p>
+          <a:p>
+            <a:pPr marL="285750" lvl="0" indent="-285750">
+              <a:buFont typeface="Arial" panose="020B0604020202020204" pitchFamily="34" charset="0"/>
+              <a:buChar char="•"/>
+            </a:pPr>
+            <a:r>
+              <a:rPr lang="en-US" sz="1400" dirty="0">
+                <a:solidFill>
+                  <a:schemeClr val="bg1"/>
+                </a:solidFill>
+              </a:rPr>
+              <a:t>Payment info &amp; patient bill info done through perform billing.</a:t>
+            </a:r>
+            <a:endParaRPr lang="en-LK" sz="1400" dirty="0">
+              <a:solidFill>
+                <a:schemeClr val="bg1"/>
+              </a:solidFill>
+            </a:endParaRPr>
+          </a:p>
+          <a:p>
+            <a:pPr marL="285750" indent="-285750">
+              <a:buFont typeface="Arial" panose="020B0604020202020204" pitchFamily="34" charset="0"/>
+              <a:buChar char="•"/>
+            </a:pPr>
+            <a:endParaRPr lang="en-LK" sz="1400" dirty="0">
+              <a:solidFill>
+                <a:schemeClr val="bg1"/>
+              </a:solidFill>
+            </a:endParaRPr>
+          </a:p>
+        </p:txBody>
+      </p:sp>
+    </p:spTree>
+    <p:extLst>
+      <p:ext uri="{BB962C8B-B14F-4D97-AF65-F5344CB8AC3E}">
+        <p14:creationId xmlns:p14="http://schemas.microsoft.com/office/powerpoint/2010/main" val="2802866254"/>
       </p:ext>
     </p:extLst>
   </p:cSld>
